--- a/Presentation For Final Project C++ CIS27.pptx
+++ b/Presentation For Final Project C++ CIS27.pptx
@@ -7,14 +7,18 @@
   <p:sldIdLst>
     <p:sldId id="256" r:id="rId2"/>
     <p:sldId id="257" r:id="rId3"/>
-    <p:sldId id="263" r:id="rId4"/>
-    <p:sldId id="268" r:id="rId5"/>
-    <p:sldId id="261" r:id="rId6"/>
-    <p:sldId id="258" r:id="rId7"/>
-    <p:sldId id="264" r:id="rId8"/>
-    <p:sldId id="265" r:id="rId9"/>
-    <p:sldId id="266" r:id="rId10"/>
-    <p:sldId id="267" r:id="rId11"/>
+    <p:sldId id="271" r:id="rId4"/>
+    <p:sldId id="263" r:id="rId5"/>
+    <p:sldId id="270" r:id="rId6"/>
+    <p:sldId id="264" r:id="rId7"/>
+    <p:sldId id="268" r:id="rId8"/>
+    <p:sldId id="261" r:id="rId9"/>
+    <p:sldId id="258" r:id="rId10"/>
+    <p:sldId id="265" r:id="rId11"/>
+    <p:sldId id="266" r:id="rId12"/>
+    <p:sldId id="272" r:id="rId13"/>
+    <p:sldId id="267" r:id="rId14"/>
+    <p:sldId id="269" r:id="rId15"/>
   </p:sldIdLst>
   <p:sldSz cx="9144000" cy="6858000" type="screen4x3"/>
   <p:notesSz cx="6858000" cy="9144000"/>
@@ -3617,6 +3621,315 @@
           <a:p>
             <a:r>
               <a:rPr lang="en-US" dirty="0" smtClean="0"/>
+              <a:t>Issues with the code</a:t>
+            </a:r>
+            <a:endParaRPr lang="en-US" dirty="0"/>
+          </a:p>
+        </p:txBody>
+      </p:sp>
+      <p:sp>
+        <p:nvSpPr>
+          <p:cNvPr id="3" name="Content Placeholder 2"/>
+          <p:cNvSpPr>
+            <a:spLocks noGrp="1"/>
+          </p:cNvSpPr>
+          <p:nvPr>
+            <p:ph idx="1"/>
+          </p:nvPr>
+        </p:nvSpPr>
+        <p:spPr/>
+        <p:txBody>
+          <a:bodyPr/>
+          <a:lstStyle/>
+          <a:p>
+            <a:r>
+              <a:rPr lang="en-US" dirty="0" smtClean="0"/>
+              <a:t>-A </a:t>
+            </a:r>
+            <a:r>
+              <a:rPr lang="en-US" dirty="0" smtClean="0"/>
+              <a:t>problem we had was creating the 2</a:t>
+            </a:r>
+            <a:r>
+              <a:rPr lang="en-US" baseline="30000" dirty="0" smtClean="0"/>
+              <a:t>nd</a:t>
+            </a:r>
+            <a:r>
+              <a:rPr lang="en-US" dirty="0" smtClean="0"/>
+              <a:t> class which is the computer’s guess. </a:t>
+            </a:r>
+          </a:p>
+          <a:p>
+            <a:r>
+              <a:rPr lang="en-US" dirty="0" smtClean="0"/>
+              <a:t>-We </a:t>
+            </a:r>
+            <a:r>
+              <a:rPr lang="en-US" dirty="0" smtClean="0"/>
+              <a:t>ran into the issue of </a:t>
+            </a:r>
+            <a:r>
+              <a:rPr lang="en-US" dirty="0" err="1" smtClean="0"/>
+              <a:t>filestream</a:t>
+            </a:r>
+            <a:r>
+              <a:rPr lang="en-US" dirty="0" smtClean="0"/>
+              <a:t> within our program. We wanted to connect data points from a survey to the computer.</a:t>
+            </a:r>
+          </a:p>
+          <a:p>
+            <a:endParaRPr lang="en-US" dirty="0" smtClean="0"/>
+          </a:p>
+          <a:p>
+            <a:r>
+              <a:rPr lang="en-US" dirty="0" smtClean="0"/>
+              <a:t>-Making sure that all materials were in the same folder so that  we could choose the path for the code to follow.</a:t>
+            </a:r>
+          </a:p>
+          <a:p>
+            <a:endParaRPr lang="en-US" dirty="0"/>
+          </a:p>
+          <a:p>
+            <a:r>
+              <a:rPr lang="en-US" dirty="0" smtClean="0"/>
+              <a:t>-We have to limit the amount of guesses that the computer can have.</a:t>
+            </a:r>
+            <a:endParaRPr lang="en-US" dirty="0"/>
+          </a:p>
+          <a:p>
+            <a:endParaRPr lang="en-US" dirty="0"/>
+          </a:p>
+        </p:txBody>
+      </p:sp>
+    </p:spTree>
+    <p:extLst>
+      <p:ext uri="{BB962C8B-B14F-4D97-AF65-F5344CB8AC3E}">
+        <p14:creationId xmlns:p14="http://schemas.microsoft.com/office/powerpoint/2010/main" val="4172041938"/>
+      </p:ext>
+    </p:extLst>
+  </p:cSld>
+  <p:clrMapOvr>
+    <a:masterClrMapping/>
+  </p:clrMapOvr>
+  <p:timing>
+    <p:tnLst>
+      <p:par>
+        <p:cTn xmlns:p14="http://schemas.microsoft.com/office/powerpoint/2010/main" id="1" dur="indefinite" restart="never" nodeType="tmRoot"/>
+      </p:par>
+    </p:tnLst>
+  </p:timing>
+</p:sld>
+</file>
+
+<file path=ppt/slides/slide11.xml><?xml version="1.0" encoding="utf-8"?>
+<p:sld xmlns:a="http://schemas.openxmlformats.org/drawingml/2006/main" xmlns:r="http://schemas.openxmlformats.org/officeDocument/2006/relationships" xmlns:p="http://schemas.openxmlformats.org/presentationml/2006/main">
+  <p:cSld>
+    <p:spTree>
+      <p:nvGrpSpPr>
+        <p:cNvPr id="1" name=""/>
+        <p:cNvGrpSpPr/>
+        <p:nvPr/>
+      </p:nvGrpSpPr>
+      <p:grpSpPr>
+        <a:xfrm>
+          <a:off x="0" y="0"/>
+          <a:ext cx="0" cy="0"/>
+          <a:chOff x="0" y="0"/>
+          <a:chExt cx="0" cy="0"/>
+        </a:xfrm>
+      </p:grpSpPr>
+      <p:sp>
+        <p:nvSpPr>
+          <p:cNvPr id="2" name="Title 1"/>
+          <p:cNvSpPr>
+            <a:spLocks noGrp="1"/>
+          </p:cNvSpPr>
+          <p:nvPr>
+            <p:ph type="title"/>
+          </p:nvPr>
+        </p:nvSpPr>
+        <p:spPr/>
+        <p:txBody>
+          <a:bodyPr/>
+          <a:lstStyle/>
+          <a:p>
+            <a:r>
+              <a:rPr lang="en-US" dirty="0" err="1" smtClean="0"/>
+              <a:t>Filesharing</a:t>
+            </a:r>
+            <a:endParaRPr lang="en-US" dirty="0"/>
+          </a:p>
+        </p:txBody>
+      </p:sp>
+      <p:sp>
+        <p:nvSpPr>
+          <p:cNvPr id="3" name="Content Placeholder 2"/>
+          <p:cNvSpPr>
+            <a:spLocks noGrp="1"/>
+          </p:cNvSpPr>
+          <p:nvPr>
+            <p:ph idx="1"/>
+          </p:nvPr>
+        </p:nvSpPr>
+        <p:spPr/>
+        <p:txBody>
+          <a:bodyPr/>
+          <a:lstStyle/>
+          <a:p>
+            <a:r>
+              <a:rPr lang="en-US" dirty="0" smtClean="0"/>
+              <a:t>We stored all the values into a CSV. Because the values were placed here we wanted to be able to write over them and interact with the values.</a:t>
+            </a:r>
+          </a:p>
+          <a:p>
+            <a:endParaRPr lang="en-US" dirty="0"/>
+          </a:p>
+          <a:p>
+            <a:r>
+              <a:rPr lang="en-US" dirty="0" smtClean="0"/>
+              <a:t>Therefore if any new users are to play our game, whatever number they choose to deal with while playing will get added to our CSV file.</a:t>
+            </a:r>
+            <a:endParaRPr lang="en-US" dirty="0"/>
+          </a:p>
+        </p:txBody>
+      </p:sp>
+    </p:spTree>
+    <p:extLst>
+      <p:ext uri="{BB962C8B-B14F-4D97-AF65-F5344CB8AC3E}">
+        <p14:creationId xmlns:p14="http://schemas.microsoft.com/office/powerpoint/2010/main" val="3731941348"/>
+      </p:ext>
+    </p:extLst>
+  </p:cSld>
+  <p:clrMapOvr>
+    <a:masterClrMapping/>
+  </p:clrMapOvr>
+  <p:timing>
+    <p:tnLst>
+      <p:par>
+        <p:cTn xmlns:p14="http://schemas.microsoft.com/office/powerpoint/2010/main" id="1" dur="indefinite" restart="never" nodeType="tmRoot"/>
+      </p:par>
+    </p:tnLst>
+  </p:timing>
+</p:sld>
+</file>
+
+<file path=ppt/slides/slide12.xml><?xml version="1.0" encoding="utf-8"?>
+<p:sld xmlns:a="http://schemas.openxmlformats.org/drawingml/2006/main" xmlns:r="http://schemas.openxmlformats.org/officeDocument/2006/relationships" xmlns:p="http://schemas.openxmlformats.org/presentationml/2006/main">
+  <p:cSld>
+    <p:spTree>
+      <p:nvGrpSpPr>
+        <p:cNvPr id="1" name=""/>
+        <p:cNvGrpSpPr/>
+        <p:nvPr/>
+      </p:nvGrpSpPr>
+      <p:grpSpPr>
+        <a:xfrm>
+          <a:off x="0" y="0"/>
+          <a:ext cx="0" cy="0"/>
+          <a:chOff x="0" y="0"/>
+          <a:chExt cx="0" cy="0"/>
+        </a:xfrm>
+      </p:grpSpPr>
+      <p:sp>
+        <p:nvSpPr>
+          <p:cNvPr id="2" name="Title 1"/>
+          <p:cNvSpPr>
+            <a:spLocks noGrp="1"/>
+          </p:cNvSpPr>
+          <p:nvPr>
+            <p:ph type="title"/>
+          </p:nvPr>
+        </p:nvSpPr>
+        <p:spPr/>
+        <p:txBody>
+          <a:bodyPr/>
+          <a:lstStyle/>
+          <a:p>
+            <a:r>
+              <a:rPr lang="en-US" dirty="0" err="1" smtClean="0"/>
+              <a:t>Filesharing</a:t>
+            </a:r>
+            <a:endParaRPr lang="en-US" dirty="0"/>
+          </a:p>
+        </p:txBody>
+      </p:sp>
+      <p:pic>
+        <p:nvPicPr>
+          <p:cNvPr id="4" name="Content Placeholder 3" descr="Screen Shot 2017-05-15 at 8.46.50 PM.png"/>
+          <p:cNvPicPr>
+            <a:picLocks noGrp="1" noChangeAspect="1"/>
+          </p:cNvPicPr>
+          <p:nvPr>
+            <p:ph idx="1"/>
+          </p:nvPr>
+        </p:nvPicPr>
+        <p:blipFill>
+          <a:blip r:embed="rId2">
+            <a:extLst>
+              <a:ext uri="{28A0092B-C50C-407E-A947-70E740481C1C}">
+                <a14:useLocalDpi xmlns:a14="http://schemas.microsoft.com/office/drawing/2010/main" val="0"/>
+              </a:ext>
+            </a:extLst>
+          </a:blip>
+          <a:srcRect l="-12880" r="-12880"/>
+          <a:stretch>
+            <a:fillRect/>
+          </a:stretch>
+        </p:blipFill>
+        <p:spPr>
+          <a:xfrm>
+            <a:off x="457200" y="1752600"/>
+            <a:ext cx="7620000" cy="4373563"/>
+          </a:xfrm>
+        </p:spPr>
+      </p:pic>
+    </p:spTree>
+    <p:extLst>
+      <p:ext uri="{BB962C8B-B14F-4D97-AF65-F5344CB8AC3E}">
+        <p14:creationId xmlns:p14="http://schemas.microsoft.com/office/powerpoint/2010/main" val="2960019267"/>
+      </p:ext>
+    </p:extLst>
+  </p:cSld>
+  <p:clrMapOvr>
+    <a:masterClrMapping/>
+  </p:clrMapOvr>
+</p:sld>
+</file>
+
+<file path=ppt/slides/slide13.xml><?xml version="1.0" encoding="utf-8"?>
+<p:sld xmlns:a="http://schemas.openxmlformats.org/drawingml/2006/main" xmlns:r="http://schemas.openxmlformats.org/officeDocument/2006/relationships" xmlns:p="http://schemas.openxmlformats.org/presentationml/2006/main">
+  <p:cSld>
+    <p:spTree>
+      <p:nvGrpSpPr>
+        <p:cNvPr id="1" name=""/>
+        <p:cNvGrpSpPr/>
+        <p:nvPr/>
+      </p:nvGrpSpPr>
+      <p:grpSpPr>
+        <a:xfrm>
+          <a:off x="0" y="0"/>
+          <a:ext cx="0" cy="0"/>
+          <a:chOff x="0" y="0"/>
+          <a:chExt cx="0" cy="0"/>
+        </a:xfrm>
+      </p:grpSpPr>
+      <p:sp>
+        <p:nvSpPr>
+          <p:cNvPr id="2" name="Title 1"/>
+          <p:cNvSpPr>
+            <a:spLocks noGrp="1"/>
+          </p:cNvSpPr>
+          <p:nvPr>
+            <p:ph type="title"/>
+          </p:nvPr>
+        </p:nvSpPr>
+        <p:spPr/>
+        <p:txBody>
+          <a:bodyPr/>
+          <a:lstStyle/>
+          <a:p>
+            <a:r>
+              <a:rPr lang="en-US" dirty="0" smtClean="0"/>
               <a:t>Data Size</a:t>
             </a:r>
             <a:endParaRPr lang="en-US" dirty="0"/>
@@ -3683,6 +3996,74 @@
 </p:sld>
 </file>
 
+<file path=ppt/slides/slide14.xml><?xml version="1.0" encoding="utf-8"?>
+<p:sld xmlns:a="http://schemas.openxmlformats.org/drawingml/2006/main" xmlns:r="http://schemas.openxmlformats.org/officeDocument/2006/relationships" xmlns:p="http://schemas.openxmlformats.org/presentationml/2006/main">
+  <p:cSld>
+    <p:spTree>
+      <p:nvGrpSpPr>
+        <p:cNvPr id="1" name=""/>
+        <p:cNvGrpSpPr/>
+        <p:nvPr/>
+      </p:nvGrpSpPr>
+      <p:grpSpPr>
+        <a:xfrm>
+          <a:off x="0" y="0"/>
+          <a:ext cx="0" cy="0"/>
+          <a:chOff x="0" y="0"/>
+          <a:chExt cx="0" cy="0"/>
+        </a:xfrm>
+      </p:grpSpPr>
+      <p:sp>
+        <p:nvSpPr>
+          <p:cNvPr id="2" name="Title 1"/>
+          <p:cNvSpPr>
+            <a:spLocks noGrp="1"/>
+          </p:cNvSpPr>
+          <p:nvPr>
+            <p:ph type="title"/>
+          </p:nvPr>
+        </p:nvSpPr>
+        <p:spPr/>
+        <p:txBody>
+          <a:bodyPr/>
+          <a:lstStyle/>
+          <a:p>
+            <a:endParaRPr lang="en-US"/>
+          </a:p>
+        </p:txBody>
+      </p:sp>
+      <p:sp>
+        <p:nvSpPr>
+          <p:cNvPr id="3" name="Content Placeholder 2"/>
+          <p:cNvSpPr>
+            <a:spLocks noGrp="1"/>
+          </p:cNvSpPr>
+          <p:nvPr>
+            <p:ph idx="1"/>
+          </p:nvPr>
+        </p:nvSpPr>
+        <p:spPr/>
+        <p:txBody>
+          <a:bodyPr/>
+          <a:lstStyle/>
+          <a:p>
+            <a:endParaRPr lang="en-US"/>
+          </a:p>
+        </p:txBody>
+      </p:sp>
+    </p:spTree>
+    <p:extLst>
+      <p:ext uri="{BB962C8B-B14F-4D97-AF65-F5344CB8AC3E}">
+        <p14:creationId xmlns:p14="http://schemas.microsoft.com/office/powerpoint/2010/main" val="3065613136"/>
+      </p:ext>
+    </p:extLst>
+  </p:cSld>
+  <p:clrMapOvr>
+    <a:masterClrMapping/>
+  </p:clrMapOvr>
+</p:sld>
+</file>
+
 <file path=ppt/slides/slide2.xml><?xml version="1.0" encoding="utf-8"?>
 <p:sld xmlns:a="http://schemas.openxmlformats.org/drawingml/2006/main" xmlns:r="http://schemas.openxmlformats.org/officeDocument/2006/relationships" xmlns:p="http://schemas.openxmlformats.org/presentationml/2006/main">
   <p:cSld>
@@ -3733,7 +4114,12 @@
             <p:ph idx="1"/>
           </p:nvPr>
         </p:nvSpPr>
-        <p:spPr/>
+        <p:spPr>
+          <a:xfrm>
+            <a:off x="457200" y="1752601"/>
+            <a:ext cx="7620000" cy="2057632"/>
+          </a:xfrm>
+        </p:spPr>
         <p:txBody>
           <a:bodyPr/>
           <a:lstStyle/>
@@ -3818,6 +4204,87 @@
           <a:p>
             <a:r>
               <a:rPr lang="en-US" dirty="0" smtClean="0"/>
+              <a:t>Gameplay</a:t>
+            </a:r>
+            <a:endParaRPr lang="en-US" dirty="0"/>
+          </a:p>
+        </p:txBody>
+      </p:sp>
+      <p:pic>
+        <p:nvPicPr>
+          <p:cNvPr id="4" name="Content Placeholder 3" descr="Screen Shot 2017-05-15 at 8.04.28 PM.png"/>
+          <p:cNvPicPr>
+            <a:picLocks noGrp="1" noChangeAspect="1"/>
+          </p:cNvPicPr>
+          <p:nvPr>
+            <p:ph idx="1"/>
+          </p:nvPr>
+        </p:nvPicPr>
+        <p:blipFill rotWithShape="1">
+          <a:blip r:embed="rId2">
+            <a:extLst>
+              <a:ext uri="{28A0092B-C50C-407E-A947-70E740481C1C}">
+                <a14:useLocalDpi xmlns:a14="http://schemas.microsoft.com/office/drawing/2010/main" val="0"/>
+              </a:ext>
+            </a:extLst>
+          </a:blip>
+          <a:srcRect t="-14537" b="-14537"/>
+          <a:stretch/>
+        </p:blipFill>
+        <p:spPr>
+          <a:xfrm>
+            <a:off x="457200" y="1253366"/>
+            <a:ext cx="7620000" cy="5214002"/>
+          </a:xfrm>
+        </p:spPr>
+      </p:pic>
+    </p:spTree>
+    <p:extLst>
+      <p:ext uri="{BB962C8B-B14F-4D97-AF65-F5344CB8AC3E}">
+        <p14:creationId xmlns:p14="http://schemas.microsoft.com/office/powerpoint/2010/main" val="1927655279"/>
+      </p:ext>
+    </p:extLst>
+  </p:cSld>
+  <p:clrMapOvr>
+    <a:masterClrMapping/>
+  </p:clrMapOvr>
+</p:sld>
+</file>
+
+<file path=ppt/slides/slide4.xml><?xml version="1.0" encoding="utf-8"?>
+<p:sld xmlns:a="http://schemas.openxmlformats.org/drawingml/2006/main" xmlns:r="http://schemas.openxmlformats.org/officeDocument/2006/relationships" xmlns:p="http://schemas.openxmlformats.org/presentationml/2006/main">
+  <p:cSld>
+    <p:spTree>
+      <p:nvGrpSpPr>
+        <p:cNvPr id="1" name=""/>
+        <p:cNvGrpSpPr/>
+        <p:nvPr/>
+      </p:nvGrpSpPr>
+      <p:grpSpPr>
+        <a:xfrm>
+          <a:off x="0" y="0"/>
+          <a:ext cx="0" cy="0"/>
+          <a:chOff x="0" y="0"/>
+          <a:chExt cx="0" cy="0"/>
+        </a:xfrm>
+      </p:grpSpPr>
+      <p:sp>
+        <p:nvSpPr>
+          <p:cNvPr id="2" name="Title 1"/>
+          <p:cNvSpPr>
+            <a:spLocks noGrp="1"/>
+          </p:cNvSpPr>
+          <p:nvPr>
+            <p:ph type="title"/>
+          </p:nvPr>
+        </p:nvSpPr>
+        <p:spPr/>
+        <p:txBody>
+          <a:bodyPr/>
+          <a:lstStyle/>
+          <a:p>
+            <a:r>
+              <a:rPr lang="en-US" dirty="0" smtClean="0"/>
               <a:t>Game Modes</a:t>
             </a:r>
             <a:endParaRPr lang="en-US" dirty="0"/>
@@ -3895,7 +4362,186 @@
 </p:sld>
 </file>
 
-<file path=ppt/slides/slide4.xml><?xml version="1.0" encoding="utf-8"?>
+<file path=ppt/slides/slide5.xml><?xml version="1.0" encoding="utf-8"?>
+<p:sld xmlns:a="http://schemas.openxmlformats.org/drawingml/2006/main" xmlns:r="http://schemas.openxmlformats.org/officeDocument/2006/relationships" xmlns:p="http://schemas.openxmlformats.org/presentationml/2006/main">
+  <p:cSld>
+    <p:spTree>
+      <p:nvGrpSpPr>
+        <p:cNvPr id="1" name=""/>
+        <p:cNvGrpSpPr/>
+        <p:nvPr/>
+      </p:nvGrpSpPr>
+      <p:grpSpPr>
+        <a:xfrm>
+          <a:off x="0" y="0"/>
+          <a:ext cx="0" cy="0"/>
+          <a:chOff x="0" y="0"/>
+          <a:chExt cx="0" cy="0"/>
+        </a:xfrm>
+      </p:grpSpPr>
+      <p:sp>
+        <p:nvSpPr>
+          <p:cNvPr id="2" name="Title 1"/>
+          <p:cNvSpPr>
+            <a:spLocks noGrp="1"/>
+          </p:cNvSpPr>
+          <p:nvPr>
+            <p:ph type="title"/>
+          </p:nvPr>
+        </p:nvSpPr>
+        <p:spPr/>
+        <p:txBody>
+          <a:bodyPr/>
+          <a:lstStyle/>
+          <a:p>
+            <a:r>
+              <a:rPr lang="en-US" dirty="0" smtClean="0"/>
+              <a:t>Gameplay</a:t>
+            </a:r>
+            <a:endParaRPr lang="en-US" dirty="0"/>
+          </a:p>
+        </p:txBody>
+      </p:sp>
+      <p:pic>
+        <p:nvPicPr>
+          <p:cNvPr id="4" name="Content Placeholder 3" descr="Screen Shot 2017-05-15 at 7.58.55 PM.png"/>
+          <p:cNvPicPr>
+            <a:picLocks noGrp="1" noChangeAspect="1"/>
+          </p:cNvPicPr>
+          <p:nvPr>
+            <p:ph idx="1"/>
+          </p:nvPr>
+        </p:nvPicPr>
+        <p:blipFill rotWithShape="1">
+          <a:blip r:embed="rId2">
+            <a:extLst>
+              <a:ext uri="{28A0092B-C50C-407E-A947-70E740481C1C}">
+                <a14:useLocalDpi xmlns:a14="http://schemas.microsoft.com/office/drawing/2010/main" val="0"/>
+              </a:ext>
+            </a:extLst>
+          </a:blip>
+          <a:srcRect t="4493" b="43239"/>
+          <a:stretch/>
+        </p:blipFill>
+        <p:spPr/>
+      </p:pic>
+    </p:spTree>
+    <p:extLst>
+      <p:ext uri="{BB962C8B-B14F-4D97-AF65-F5344CB8AC3E}">
+        <p14:creationId xmlns:p14="http://schemas.microsoft.com/office/powerpoint/2010/main" val="1562797515"/>
+      </p:ext>
+    </p:extLst>
+  </p:cSld>
+  <p:clrMapOvr>
+    <a:masterClrMapping/>
+  </p:clrMapOvr>
+</p:sld>
+</file>
+
+<file path=ppt/slides/slide6.xml><?xml version="1.0" encoding="utf-8"?>
+<p:sld xmlns:a="http://schemas.openxmlformats.org/drawingml/2006/main" xmlns:r="http://schemas.openxmlformats.org/officeDocument/2006/relationships" xmlns:p="http://schemas.openxmlformats.org/presentationml/2006/main">
+  <p:cSld>
+    <p:spTree>
+      <p:nvGrpSpPr>
+        <p:cNvPr id="1" name=""/>
+        <p:cNvGrpSpPr/>
+        <p:nvPr/>
+      </p:nvGrpSpPr>
+      <p:grpSpPr>
+        <a:xfrm>
+          <a:off x="0" y="0"/>
+          <a:ext cx="0" cy="0"/>
+          <a:chOff x="0" y="0"/>
+          <a:chExt cx="0" cy="0"/>
+        </a:xfrm>
+      </p:grpSpPr>
+      <p:sp>
+        <p:nvSpPr>
+          <p:cNvPr id="2" name="Title 1"/>
+          <p:cNvSpPr>
+            <a:spLocks noGrp="1"/>
+          </p:cNvSpPr>
+          <p:nvPr>
+            <p:ph type="title"/>
+          </p:nvPr>
+        </p:nvSpPr>
+        <p:spPr/>
+        <p:txBody>
+          <a:bodyPr/>
+          <a:lstStyle/>
+          <a:p>
+            <a:r>
+              <a:rPr lang="en-US" dirty="0" smtClean="0"/>
+              <a:t>Underlying Data Structures</a:t>
+            </a:r>
+            <a:endParaRPr lang="en-US" dirty="0"/>
+          </a:p>
+        </p:txBody>
+      </p:sp>
+      <p:sp>
+        <p:nvSpPr>
+          <p:cNvPr id="3" name="Content Placeholder 2"/>
+          <p:cNvSpPr>
+            <a:spLocks noGrp="1"/>
+          </p:cNvSpPr>
+          <p:nvPr>
+            <p:ph idx="1"/>
+          </p:nvPr>
+        </p:nvSpPr>
+        <p:spPr/>
+        <p:txBody>
+          <a:bodyPr/>
+          <a:lstStyle/>
+          <a:p>
+            <a:r>
+              <a:rPr lang="en-US" dirty="0" smtClean="0"/>
+              <a:t>-Vectors</a:t>
+            </a:r>
+          </a:p>
+          <a:p>
+            <a:r>
+              <a:rPr lang="en-US" dirty="0" smtClean="0"/>
+              <a:t>-Arrays</a:t>
+            </a:r>
+          </a:p>
+          <a:p>
+            <a:endParaRPr lang="en-US" dirty="0"/>
+          </a:p>
+          <a:p>
+            <a:endParaRPr lang="en-US" dirty="0"/>
+          </a:p>
+          <a:p>
+            <a:endParaRPr lang="en-US" dirty="0" smtClean="0"/>
+          </a:p>
+          <a:p>
+            <a:endParaRPr lang="en-US" dirty="0"/>
+          </a:p>
+          <a:p>
+            <a:endParaRPr lang="en-US" dirty="0"/>
+          </a:p>
+        </p:txBody>
+      </p:sp>
+    </p:spTree>
+    <p:extLst>
+      <p:ext uri="{BB962C8B-B14F-4D97-AF65-F5344CB8AC3E}">
+        <p14:creationId xmlns:p14="http://schemas.microsoft.com/office/powerpoint/2010/main" val="1481729011"/>
+      </p:ext>
+    </p:extLst>
+  </p:cSld>
+  <p:clrMapOvr>
+    <a:masterClrMapping/>
+  </p:clrMapOvr>
+  <p:timing>
+    <p:tnLst>
+      <p:par>
+        <p:cTn xmlns:p14="http://schemas.microsoft.com/office/powerpoint/2010/main" id="1" dur="indefinite" restart="never" nodeType="tmRoot"/>
+      </p:par>
+    </p:tnLst>
+  </p:timing>
+</p:sld>
+</file>
+
+<file path=ppt/slides/slide7.xml><?xml version="1.0" encoding="utf-8"?>
 <p:sld xmlns:a="http://schemas.openxmlformats.org/drawingml/2006/main" xmlns:r="http://schemas.openxmlformats.org/officeDocument/2006/relationships" xmlns:p="http://schemas.openxmlformats.org/presentationml/2006/main">
   <p:cSld>
     <p:spTree>
@@ -4026,319 +4672,6 @@
 </p:sld>
 </file>
 
-<file path=ppt/slides/slide5.xml><?xml version="1.0" encoding="utf-8"?>
-<p:sld xmlns:a="http://schemas.openxmlformats.org/drawingml/2006/main" xmlns:r="http://schemas.openxmlformats.org/officeDocument/2006/relationships" xmlns:p="http://schemas.openxmlformats.org/presentationml/2006/main">
-  <p:cSld>
-    <p:spTree>
-      <p:nvGrpSpPr>
-        <p:cNvPr id="1" name=""/>
-        <p:cNvGrpSpPr/>
-        <p:nvPr/>
-      </p:nvGrpSpPr>
-      <p:grpSpPr>
-        <a:xfrm>
-          <a:off x="0" y="0"/>
-          <a:ext cx="0" cy="0"/>
-          <a:chOff x="0" y="0"/>
-          <a:chExt cx="0" cy="0"/>
-        </a:xfrm>
-      </p:grpSpPr>
-      <p:sp>
-        <p:nvSpPr>
-          <p:cNvPr id="2" name="Title 1"/>
-          <p:cNvSpPr>
-            <a:spLocks noGrp="1"/>
-          </p:cNvSpPr>
-          <p:nvPr>
-            <p:ph type="title"/>
-          </p:nvPr>
-        </p:nvSpPr>
-        <p:spPr/>
-        <p:txBody>
-          <a:bodyPr/>
-          <a:lstStyle/>
-          <a:p>
-            <a:r>
-              <a:rPr lang="en-US" dirty="0" smtClean="0"/>
-              <a:t>Information Needed</a:t>
-            </a:r>
-            <a:endParaRPr lang="en-US" dirty="0"/>
-          </a:p>
-        </p:txBody>
-      </p:sp>
-      <p:sp>
-        <p:nvSpPr>
-          <p:cNvPr id="3" name="Content Placeholder 2"/>
-          <p:cNvSpPr>
-            <a:spLocks noGrp="1"/>
-          </p:cNvSpPr>
-          <p:nvPr>
-            <p:ph idx="1"/>
-          </p:nvPr>
-        </p:nvSpPr>
-        <p:spPr/>
-        <p:txBody>
-          <a:bodyPr/>
-          <a:lstStyle/>
-          <a:p>
-            <a:r>
-              <a:rPr lang="en-US" dirty="0" smtClean="0"/>
-              <a:t>variables that would hold different things.</a:t>
-            </a:r>
-          </a:p>
-          <a:p>
-            <a:r>
-              <a:rPr lang="en-US" dirty="0" smtClean="0"/>
-              <a:t>function to randomly chose a number</a:t>
-            </a:r>
-          </a:p>
-          <a:p>
-            <a:r>
-              <a:rPr lang="en-US" dirty="0" smtClean="0"/>
-              <a:t>A function that will store difficulty</a:t>
-            </a:r>
-          </a:p>
-          <a:p>
-            <a:r>
-              <a:rPr lang="en-US" dirty="0" smtClean="0"/>
-              <a:t>True or False statement to confirm that users guess is within the permitted size</a:t>
-            </a:r>
-          </a:p>
-          <a:p>
-            <a:r>
-              <a:rPr lang="en-US" dirty="0" smtClean="0"/>
-              <a:t>A void function that will check if the guess is too low or too high from the random number generated.</a:t>
-            </a:r>
-          </a:p>
-          <a:p>
-            <a:endParaRPr lang="en-US" dirty="0" smtClean="0"/>
-          </a:p>
-        </p:txBody>
-      </p:sp>
-    </p:spTree>
-    <p:extLst>
-      <p:ext uri="{BB962C8B-B14F-4D97-AF65-F5344CB8AC3E}">
-        <p14:creationId xmlns:p14="http://schemas.microsoft.com/office/powerpoint/2010/main" val="1044680601"/>
-      </p:ext>
-    </p:extLst>
-  </p:cSld>
-  <p:clrMapOvr>
-    <a:masterClrMapping/>
-  </p:clrMapOvr>
-  <p:timing>
-    <p:tnLst>
-      <p:par>
-        <p:cTn xmlns:p14="http://schemas.microsoft.com/office/powerpoint/2010/main" id="1" dur="indefinite" restart="never" nodeType="tmRoot"/>
-      </p:par>
-    </p:tnLst>
-  </p:timing>
-</p:sld>
-</file>
-
-<file path=ppt/slides/slide6.xml><?xml version="1.0" encoding="utf-8"?>
-<p:sld xmlns:a="http://schemas.openxmlformats.org/drawingml/2006/main" xmlns:r="http://schemas.openxmlformats.org/officeDocument/2006/relationships" xmlns:p="http://schemas.openxmlformats.org/presentationml/2006/main">
-  <p:cSld>
-    <p:spTree>
-      <p:nvGrpSpPr>
-        <p:cNvPr id="1" name=""/>
-        <p:cNvGrpSpPr/>
-        <p:nvPr/>
-      </p:nvGrpSpPr>
-      <p:grpSpPr>
-        <a:xfrm>
-          <a:off x="0" y="0"/>
-          <a:ext cx="0" cy="0"/>
-          <a:chOff x="0" y="0"/>
-          <a:chExt cx="0" cy="0"/>
-        </a:xfrm>
-      </p:grpSpPr>
-      <p:sp>
-        <p:nvSpPr>
-          <p:cNvPr id="2" name="Title 1"/>
-          <p:cNvSpPr>
-            <a:spLocks noGrp="1"/>
-          </p:cNvSpPr>
-          <p:nvPr>
-            <p:ph type="title"/>
-          </p:nvPr>
-        </p:nvSpPr>
-        <p:spPr/>
-        <p:txBody>
-          <a:bodyPr/>
-          <a:lstStyle/>
-          <a:p>
-            <a:r>
-              <a:rPr lang="en-US" dirty="0" smtClean="0"/>
-              <a:t>Difficulty</a:t>
-            </a:r>
-            <a:endParaRPr lang="en-US" dirty="0"/>
-          </a:p>
-        </p:txBody>
-      </p:sp>
-      <p:sp>
-        <p:nvSpPr>
-          <p:cNvPr id="3" name="Content Placeholder 2"/>
-          <p:cNvSpPr>
-            <a:spLocks noGrp="1"/>
-          </p:cNvSpPr>
-          <p:nvPr>
-            <p:ph idx="1"/>
-          </p:nvPr>
-        </p:nvSpPr>
-        <p:spPr/>
-        <p:txBody>
-          <a:bodyPr/>
-          <a:lstStyle/>
-          <a:p>
-            <a:pPr marL="0" indent="0">
-              <a:buNone/>
-            </a:pPr>
-            <a:r>
-              <a:rPr lang="en-US" dirty="0" smtClean="0"/>
-              <a:t>In our game we wanted to give 3 types of ways to play. We have and Easy , Medium , and Hard difficulty.</a:t>
-            </a:r>
-          </a:p>
-          <a:p>
-            <a:pPr marL="0" indent="0">
-              <a:buNone/>
-            </a:pPr>
-            <a:endParaRPr lang="en-US" dirty="0"/>
-          </a:p>
-          <a:p>
-            <a:pPr marL="0" indent="0">
-              <a:buNone/>
-            </a:pPr>
-            <a:r>
-              <a:rPr lang="en-US" dirty="0" smtClean="0"/>
-              <a:t>To do this we have a void function that will hold the value entered by the user for choice of difficulty.</a:t>
-            </a:r>
-            <a:endParaRPr lang="en-US" dirty="0"/>
-          </a:p>
-        </p:txBody>
-      </p:sp>
-    </p:spTree>
-    <p:extLst>
-      <p:ext uri="{BB962C8B-B14F-4D97-AF65-F5344CB8AC3E}">
-        <p14:creationId xmlns:p14="http://schemas.microsoft.com/office/powerpoint/2010/main" val="2553480416"/>
-      </p:ext>
-    </p:extLst>
-  </p:cSld>
-  <p:clrMapOvr>
-    <a:masterClrMapping/>
-  </p:clrMapOvr>
-  <p:timing>
-    <p:tnLst>
-      <p:par>
-        <p:cTn xmlns:p14="http://schemas.microsoft.com/office/powerpoint/2010/main" id="1" dur="indefinite" restart="never" nodeType="tmRoot"/>
-      </p:par>
-    </p:tnLst>
-  </p:timing>
-</p:sld>
-</file>
-
-<file path=ppt/slides/slide7.xml><?xml version="1.0" encoding="utf-8"?>
-<p:sld xmlns:a="http://schemas.openxmlformats.org/drawingml/2006/main" xmlns:r="http://schemas.openxmlformats.org/officeDocument/2006/relationships" xmlns:p="http://schemas.openxmlformats.org/presentationml/2006/main">
-  <p:cSld>
-    <p:spTree>
-      <p:nvGrpSpPr>
-        <p:cNvPr id="1" name=""/>
-        <p:cNvGrpSpPr/>
-        <p:nvPr/>
-      </p:nvGrpSpPr>
-      <p:grpSpPr>
-        <a:xfrm>
-          <a:off x="0" y="0"/>
-          <a:ext cx="0" cy="0"/>
-          <a:chOff x="0" y="0"/>
-          <a:chExt cx="0" cy="0"/>
-        </a:xfrm>
-      </p:grpSpPr>
-      <p:sp>
-        <p:nvSpPr>
-          <p:cNvPr id="2" name="Title 1"/>
-          <p:cNvSpPr>
-            <a:spLocks noGrp="1"/>
-          </p:cNvSpPr>
-          <p:nvPr>
-            <p:ph type="title"/>
-          </p:nvPr>
-        </p:nvSpPr>
-        <p:spPr/>
-        <p:txBody>
-          <a:bodyPr/>
-          <a:lstStyle/>
-          <a:p>
-            <a:r>
-              <a:rPr lang="en-US" dirty="0" smtClean="0"/>
-              <a:t>Underlying Data Structures</a:t>
-            </a:r>
-            <a:endParaRPr lang="en-US" dirty="0"/>
-          </a:p>
-        </p:txBody>
-      </p:sp>
-      <p:sp>
-        <p:nvSpPr>
-          <p:cNvPr id="3" name="Content Placeholder 2"/>
-          <p:cNvSpPr>
-            <a:spLocks noGrp="1"/>
-          </p:cNvSpPr>
-          <p:nvPr>
-            <p:ph idx="1"/>
-          </p:nvPr>
-        </p:nvSpPr>
-        <p:spPr/>
-        <p:txBody>
-          <a:bodyPr/>
-          <a:lstStyle/>
-          <a:p>
-            <a:r>
-              <a:rPr lang="en-US" dirty="0" smtClean="0"/>
-              <a:t>-Vectors</a:t>
-            </a:r>
-          </a:p>
-          <a:p>
-            <a:r>
-              <a:rPr lang="en-US" dirty="0" smtClean="0"/>
-              <a:t>-Arrays</a:t>
-            </a:r>
-          </a:p>
-          <a:p>
-            <a:endParaRPr lang="en-US" dirty="0"/>
-          </a:p>
-          <a:p>
-            <a:endParaRPr lang="en-US" dirty="0"/>
-          </a:p>
-          <a:p>
-            <a:endParaRPr lang="en-US" dirty="0" smtClean="0"/>
-          </a:p>
-          <a:p>
-            <a:endParaRPr lang="en-US" dirty="0"/>
-          </a:p>
-          <a:p>
-            <a:endParaRPr lang="en-US" dirty="0"/>
-          </a:p>
-        </p:txBody>
-      </p:sp>
-    </p:spTree>
-    <p:extLst>
-      <p:ext uri="{BB962C8B-B14F-4D97-AF65-F5344CB8AC3E}">
-        <p14:creationId xmlns:p14="http://schemas.microsoft.com/office/powerpoint/2010/main" val="1481729011"/>
-      </p:ext>
-    </p:extLst>
-  </p:cSld>
-  <p:clrMapOvr>
-    <a:masterClrMapping/>
-  </p:clrMapOvr>
-  <p:timing>
-    <p:tnLst>
-      <p:par>
-        <p:cTn xmlns:p14="http://schemas.microsoft.com/office/powerpoint/2010/main" id="1" dur="indefinite" restart="never" nodeType="tmRoot"/>
-      </p:par>
-    </p:tnLst>
-  </p:timing>
-</p:sld>
-</file>
-
 <file path=ppt/slides/slide8.xml><?xml version="1.0" encoding="utf-8"?>
 <p:sld xmlns:a="http://schemas.openxmlformats.org/drawingml/2006/main" xmlns:r="http://schemas.openxmlformats.org/officeDocument/2006/relationships" xmlns:p="http://schemas.openxmlformats.org/presentationml/2006/main">
   <p:cSld>
@@ -4373,7 +4706,7 @@
           <a:p>
             <a:r>
               <a:rPr lang="en-US" dirty="0" smtClean="0"/>
-              <a:t>Issues with the code</a:t>
+              <a:t>Information Needed</a:t>
             </a:r>
             <a:endParaRPr lang="en-US" dirty="0"/>
           </a:p>
@@ -4396,68 +4729,67 @@
           <a:p>
             <a:r>
               <a:rPr lang="en-US" dirty="0" smtClean="0"/>
-              <a:t>A problem we had was creating the 2</a:t>
-            </a:r>
-            <a:r>
-              <a:rPr lang="en-US" baseline="30000" dirty="0" smtClean="0"/>
-              <a:t>nd</a:t>
-            </a:r>
-            <a:r>
-              <a:rPr lang="en-US" dirty="0" smtClean="0"/>
-              <a:t> class which is the computer’s </a:t>
-            </a:r>
-            <a:r>
-              <a:rPr lang="en-US" dirty="0" smtClean="0"/>
-              <a:t>guess. </a:t>
+              <a:t>-variables </a:t>
+            </a:r>
+            <a:r>
+              <a:rPr lang="en-US" dirty="0" smtClean="0"/>
+              <a:t>that would hold different things.</a:t>
+            </a:r>
+          </a:p>
+          <a:p>
+            <a:r>
+              <a:rPr lang="en-US" dirty="0" smtClean="0"/>
+              <a:t>-we need a function </a:t>
+            </a:r>
+            <a:r>
+              <a:rPr lang="en-US" dirty="0" smtClean="0"/>
+              <a:t>to randomly chose a number</a:t>
+            </a:r>
+          </a:p>
+          <a:p>
+            <a:r>
+              <a:rPr lang="en-US" dirty="0" smtClean="0"/>
+              <a:t>-A </a:t>
+            </a:r>
+            <a:r>
+              <a:rPr lang="en-US" dirty="0" smtClean="0"/>
+              <a:t>function that </a:t>
+            </a:r>
+            <a:r>
+              <a:rPr lang="en-US" dirty="0" smtClean="0"/>
+              <a:t>stores difficulty for user who is guessing the computer’s chosen number.</a:t>
             </a:r>
             <a:endParaRPr lang="en-US" dirty="0" smtClean="0"/>
           </a:p>
           <a:p>
             <a:r>
               <a:rPr lang="en-US" dirty="0" smtClean="0"/>
-              <a:t>We ran into the issue of </a:t>
-            </a:r>
-            <a:r>
-              <a:rPr lang="en-US" dirty="0" err="1" smtClean="0"/>
-              <a:t>filestream</a:t>
-            </a:r>
-            <a:r>
-              <a:rPr lang="en-US" dirty="0" smtClean="0"/>
-              <a:t> within our program. We wanted to connect data points from a survey to the </a:t>
-            </a:r>
-            <a:r>
-              <a:rPr lang="en-US" dirty="0" smtClean="0"/>
-              <a:t>computer.</a:t>
+              <a:t>-True </a:t>
+            </a:r>
+            <a:r>
+              <a:rPr lang="en-US" dirty="0" smtClean="0"/>
+              <a:t>or False statement to confirm that users guess is within the permitted size</a:t>
+            </a:r>
+          </a:p>
+          <a:p>
+            <a:r>
+              <a:rPr lang="en-US" dirty="0" smtClean="0"/>
+              <a:t>-A </a:t>
+            </a:r>
+            <a:r>
+              <a:rPr lang="en-US" dirty="0" smtClean="0"/>
+              <a:t>void function that will check if the guess is too low or too high from the random number generated.</a:t>
             </a:r>
           </a:p>
           <a:p>
             <a:endParaRPr lang="en-US" dirty="0" smtClean="0"/>
-          </a:p>
-          <a:p>
-            <a:r>
-              <a:rPr lang="en-US" dirty="0" smtClean="0"/>
-              <a:t>-Making sure that all materials were in the same folder so that  we could choose the path for the code to follow.</a:t>
-            </a:r>
-          </a:p>
-          <a:p>
-            <a:endParaRPr lang="en-US" dirty="0"/>
-          </a:p>
-          <a:p>
-            <a:r>
-              <a:rPr lang="en-US" dirty="0" smtClean="0"/>
-              <a:t>-We have to limit the amount of guesses that the computer can have.</a:t>
-            </a:r>
-            <a:endParaRPr lang="en-US" dirty="0"/>
-          </a:p>
-          <a:p>
-            <a:endParaRPr lang="en-US" dirty="0"/>
           </a:p>
         </p:txBody>
       </p:sp>
     </p:spTree>
     <p:extLst>
       <p:ext uri="{BB962C8B-B14F-4D97-AF65-F5344CB8AC3E}">
-        <p14:creationId xmlns:p14="http://schemas.microsoft.com/office/powerpoint/2010/main" val="4172041938"/>
+        <p14:creationId xmlns:p14="http://schemas.microsoft.com/office/powerpoint/2010/main" val="1044680601"/>
       </p:ext>
     </p:extLst>
   </p:cSld>
@@ -4507,8 +4839,8 @@
           <a:lstStyle/>
           <a:p>
             <a:r>
-              <a:rPr lang="en-US" dirty="0" err="1" smtClean="0"/>
-              <a:t>Filesharing</a:t>
+              <a:rPr lang="en-US" dirty="0" smtClean="0"/>
+              <a:t>Difficulty</a:t>
             </a:r>
             <a:endParaRPr lang="en-US" dirty="0"/>
           </a:p>
@@ -4529,18 +4861,69 @@
           <a:bodyPr/>
           <a:lstStyle/>
           <a:p>
-            <a:r>
-              <a:rPr lang="en-US" dirty="0" smtClean="0"/>
-              <a:t>We stored all the values into a CSV. Because the values were placed here we wanted to be able to write over them and interact with the values.</a:t>
-            </a:r>
-          </a:p>
-          <a:p>
-            <a:endParaRPr lang="en-US" dirty="0"/>
-          </a:p>
-          <a:p>
-            <a:r>
-              <a:rPr lang="en-US" dirty="0" smtClean="0"/>
-              <a:t>Therefore if any new users are to play our game, whatever number they choose to deal with while playing will get added to our CSV file.</a:t>
+            <a:pPr marL="0" indent="0">
+              <a:buNone/>
+            </a:pPr>
+            <a:r>
+              <a:rPr lang="en-US" dirty="0" smtClean="0"/>
+              <a:t>In our game we wanted to give 3 types of ways to play. We have and Easy , Medium , and Hard difficulty.</a:t>
+            </a:r>
+          </a:p>
+          <a:p>
+            <a:pPr marL="0" indent="0">
+              <a:buNone/>
+            </a:pPr>
+            <a:r>
+              <a:rPr lang="en-US" dirty="0" smtClean="0"/>
+              <a:t>-Easy </a:t>
+            </a:r>
+            <a:r>
+              <a:rPr lang="en-US" b="0" dirty="0" smtClean="0"/>
+              <a:t>mode = 7 guesses</a:t>
+            </a:r>
+          </a:p>
+          <a:p>
+            <a:pPr marL="0" indent="0">
+              <a:buNone/>
+            </a:pPr>
+            <a:r>
+              <a:rPr lang="en-US" dirty="0" smtClean="0"/>
+              <a:t>-Medium </a:t>
+            </a:r>
+            <a:r>
+              <a:rPr lang="en-US" b="0" dirty="0" smtClean="0"/>
+              <a:t>mode = 5 guesses</a:t>
+            </a:r>
+          </a:p>
+          <a:p>
+            <a:pPr marL="0" indent="0">
+              <a:buNone/>
+            </a:pPr>
+            <a:r>
+              <a:rPr lang="en-US" dirty="0" smtClean="0"/>
+              <a:t>-Hard </a:t>
+            </a:r>
+            <a:r>
+              <a:rPr lang="en-US" b="0" dirty="0" smtClean="0"/>
+              <a:t>mode = 3 guesses</a:t>
+            </a:r>
+            <a:endParaRPr lang="en-US" b="0" dirty="0"/>
+          </a:p>
+          <a:p>
+            <a:pPr marL="0" indent="0">
+              <a:buNone/>
+            </a:pPr>
+            <a:r>
+              <a:rPr lang="en-US" dirty="0" smtClean="0"/>
+              <a:t>We have a void </a:t>
+            </a:r>
+            <a:r>
+              <a:rPr lang="en-US" dirty="0" smtClean="0"/>
+              <a:t>function that will hold the value entered by the user for </a:t>
+            </a:r>
+            <a:r>
+              <a:rPr lang="en-US" dirty="0" smtClean="0"/>
+              <a:t>difficulty.</a:t>
             </a:r>
             <a:endParaRPr lang="en-US" dirty="0"/>
           </a:p>
@@ -4549,7 +4932,7 @@
     </p:spTree>
     <p:extLst>
       <p:ext uri="{BB962C8B-B14F-4D97-AF65-F5344CB8AC3E}">
-        <p14:creationId xmlns:p14="http://schemas.microsoft.com/office/powerpoint/2010/main" val="3731941348"/>
+        <p14:creationId xmlns:p14="http://schemas.microsoft.com/office/powerpoint/2010/main" val="2553480416"/>
       </p:ext>
     </p:extLst>
   </p:cSld>

--- a/Presentation For Final Project C++ CIS27.pptx
+++ b/Presentation For Final Project C++ CIS27.pptx
@@ -7,18 +7,17 @@
   <p:sldIdLst>
     <p:sldId id="256" r:id="rId2"/>
     <p:sldId id="257" r:id="rId3"/>
-    <p:sldId id="271" r:id="rId4"/>
+    <p:sldId id="261" r:id="rId4"/>
     <p:sldId id="263" r:id="rId5"/>
-    <p:sldId id="270" r:id="rId6"/>
-    <p:sldId id="264" r:id="rId7"/>
-    <p:sldId id="268" r:id="rId8"/>
-    <p:sldId id="261" r:id="rId9"/>
-    <p:sldId id="258" r:id="rId10"/>
-    <p:sldId id="265" r:id="rId11"/>
-    <p:sldId id="266" r:id="rId12"/>
-    <p:sldId id="272" r:id="rId13"/>
-    <p:sldId id="267" r:id="rId14"/>
-    <p:sldId id="269" r:id="rId15"/>
+    <p:sldId id="258" r:id="rId6"/>
+    <p:sldId id="271" r:id="rId7"/>
+    <p:sldId id="270" r:id="rId8"/>
+    <p:sldId id="264" r:id="rId9"/>
+    <p:sldId id="266" r:id="rId10"/>
+    <p:sldId id="272" r:id="rId11"/>
+    <p:sldId id="267" r:id="rId12"/>
+    <p:sldId id="268" r:id="rId13"/>
+    <p:sldId id="265" r:id="rId14"/>
   </p:sldIdLst>
   <p:sldSz cx="9144000" cy="6858000" type="screen4x3"/>
   <p:notesSz cx="6858000" cy="9144000"/>
@@ -3620,232 +3619,6 @@
           <a:lstStyle/>
           <a:p>
             <a:r>
-              <a:rPr lang="en-US" dirty="0" smtClean="0"/>
-              <a:t>Issues with the code</a:t>
-            </a:r>
-            <a:endParaRPr lang="en-US" dirty="0"/>
-          </a:p>
-        </p:txBody>
-      </p:sp>
-      <p:sp>
-        <p:nvSpPr>
-          <p:cNvPr id="3" name="Content Placeholder 2"/>
-          <p:cNvSpPr>
-            <a:spLocks noGrp="1"/>
-          </p:cNvSpPr>
-          <p:nvPr>
-            <p:ph idx="1"/>
-          </p:nvPr>
-        </p:nvSpPr>
-        <p:spPr/>
-        <p:txBody>
-          <a:bodyPr/>
-          <a:lstStyle/>
-          <a:p>
-            <a:r>
-              <a:rPr lang="en-US" dirty="0" smtClean="0"/>
-              <a:t>-A </a:t>
-            </a:r>
-            <a:r>
-              <a:rPr lang="en-US" dirty="0" smtClean="0"/>
-              <a:t>problem we had was creating the 2</a:t>
-            </a:r>
-            <a:r>
-              <a:rPr lang="en-US" baseline="30000" dirty="0" smtClean="0"/>
-              <a:t>nd</a:t>
-            </a:r>
-            <a:r>
-              <a:rPr lang="en-US" dirty="0" smtClean="0"/>
-              <a:t> class which is the computer’s guess. </a:t>
-            </a:r>
-          </a:p>
-          <a:p>
-            <a:r>
-              <a:rPr lang="en-US" dirty="0" smtClean="0"/>
-              <a:t>-We </a:t>
-            </a:r>
-            <a:r>
-              <a:rPr lang="en-US" dirty="0" smtClean="0"/>
-              <a:t>ran into the issue of </a:t>
-            </a:r>
-            <a:r>
-              <a:rPr lang="en-US" dirty="0" err="1" smtClean="0"/>
-              <a:t>filestream</a:t>
-            </a:r>
-            <a:r>
-              <a:rPr lang="en-US" dirty="0" smtClean="0"/>
-              <a:t> within our program. We wanted to connect data points from a survey to the computer.</a:t>
-            </a:r>
-          </a:p>
-          <a:p>
-            <a:endParaRPr lang="en-US" dirty="0" smtClean="0"/>
-          </a:p>
-          <a:p>
-            <a:r>
-              <a:rPr lang="en-US" dirty="0" smtClean="0"/>
-              <a:t>-Making sure that all materials were in the same folder so that  we could choose the path for the code to follow.</a:t>
-            </a:r>
-          </a:p>
-          <a:p>
-            <a:endParaRPr lang="en-US" dirty="0"/>
-          </a:p>
-          <a:p>
-            <a:r>
-              <a:rPr lang="en-US" dirty="0" smtClean="0"/>
-              <a:t>-We have to limit the amount of guesses that the computer can have.</a:t>
-            </a:r>
-            <a:endParaRPr lang="en-US" dirty="0"/>
-          </a:p>
-          <a:p>
-            <a:endParaRPr lang="en-US" dirty="0"/>
-          </a:p>
-        </p:txBody>
-      </p:sp>
-    </p:spTree>
-    <p:extLst>
-      <p:ext uri="{BB962C8B-B14F-4D97-AF65-F5344CB8AC3E}">
-        <p14:creationId xmlns:p14="http://schemas.microsoft.com/office/powerpoint/2010/main" val="4172041938"/>
-      </p:ext>
-    </p:extLst>
-  </p:cSld>
-  <p:clrMapOvr>
-    <a:masterClrMapping/>
-  </p:clrMapOvr>
-  <p:timing>
-    <p:tnLst>
-      <p:par>
-        <p:cTn xmlns:p14="http://schemas.microsoft.com/office/powerpoint/2010/main" id="1" dur="indefinite" restart="never" nodeType="tmRoot"/>
-      </p:par>
-    </p:tnLst>
-  </p:timing>
-</p:sld>
-</file>
-
-<file path=ppt/slides/slide11.xml><?xml version="1.0" encoding="utf-8"?>
-<p:sld xmlns:a="http://schemas.openxmlformats.org/drawingml/2006/main" xmlns:r="http://schemas.openxmlformats.org/officeDocument/2006/relationships" xmlns:p="http://schemas.openxmlformats.org/presentationml/2006/main">
-  <p:cSld>
-    <p:spTree>
-      <p:nvGrpSpPr>
-        <p:cNvPr id="1" name=""/>
-        <p:cNvGrpSpPr/>
-        <p:nvPr/>
-      </p:nvGrpSpPr>
-      <p:grpSpPr>
-        <a:xfrm>
-          <a:off x="0" y="0"/>
-          <a:ext cx="0" cy="0"/>
-          <a:chOff x="0" y="0"/>
-          <a:chExt cx="0" cy="0"/>
-        </a:xfrm>
-      </p:grpSpPr>
-      <p:sp>
-        <p:nvSpPr>
-          <p:cNvPr id="2" name="Title 1"/>
-          <p:cNvSpPr>
-            <a:spLocks noGrp="1"/>
-          </p:cNvSpPr>
-          <p:nvPr>
-            <p:ph type="title"/>
-          </p:nvPr>
-        </p:nvSpPr>
-        <p:spPr/>
-        <p:txBody>
-          <a:bodyPr/>
-          <a:lstStyle/>
-          <a:p>
-            <a:r>
-              <a:rPr lang="en-US" dirty="0" err="1" smtClean="0"/>
-              <a:t>Filesharing</a:t>
-            </a:r>
-            <a:endParaRPr lang="en-US" dirty="0"/>
-          </a:p>
-        </p:txBody>
-      </p:sp>
-      <p:sp>
-        <p:nvSpPr>
-          <p:cNvPr id="3" name="Content Placeholder 2"/>
-          <p:cNvSpPr>
-            <a:spLocks noGrp="1"/>
-          </p:cNvSpPr>
-          <p:nvPr>
-            <p:ph idx="1"/>
-          </p:nvPr>
-        </p:nvSpPr>
-        <p:spPr/>
-        <p:txBody>
-          <a:bodyPr/>
-          <a:lstStyle/>
-          <a:p>
-            <a:r>
-              <a:rPr lang="en-US" dirty="0" smtClean="0"/>
-              <a:t>We stored all the values into a CSV. Because the values were placed here we wanted to be able to write over them and interact with the values.</a:t>
-            </a:r>
-          </a:p>
-          <a:p>
-            <a:endParaRPr lang="en-US" dirty="0"/>
-          </a:p>
-          <a:p>
-            <a:r>
-              <a:rPr lang="en-US" dirty="0" smtClean="0"/>
-              <a:t>Therefore if any new users are to play our game, whatever number they choose to deal with while playing will get added to our CSV file.</a:t>
-            </a:r>
-            <a:endParaRPr lang="en-US" dirty="0"/>
-          </a:p>
-        </p:txBody>
-      </p:sp>
-    </p:spTree>
-    <p:extLst>
-      <p:ext uri="{BB962C8B-B14F-4D97-AF65-F5344CB8AC3E}">
-        <p14:creationId xmlns:p14="http://schemas.microsoft.com/office/powerpoint/2010/main" val="3731941348"/>
-      </p:ext>
-    </p:extLst>
-  </p:cSld>
-  <p:clrMapOvr>
-    <a:masterClrMapping/>
-  </p:clrMapOvr>
-  <p:timing>
-    <p:tnLst>
-      <p:par>
-        <p:cTn xmlns:p14="http://schemas.microsoft.com/office/powerpoint/2010/main" id="1" dur="indefinite" restart="never" nodeType="tmRoot"/>
-      </p:par>
-    </p:tnLst>
-  </p:timing>
-</p:sld>
-</file>
-
-<file path=ppt/slides/slide12.xml><?xml version="1.0" encoding="utf-8"?>
-<p:sld xmlns:a="http://schemas.openxmlformats.org/drawingml/2006/main" xmlns:r="http://schemas.openxmlformats.org/officeDocument/2006/relationships" xmlns:p="http://schemas.openxmlformats.org/presentationml/2006/main">
-  <p:cSld>
-    <p:spTree>
-      <p:nvGrpSpPr>
-        <p:cNvPr id="1" name=""/>
-        <p:cNvGrpSpPr/>
-        <p:nvPr/>
-      </p:nvGrpSpPr>
-      <p:grpSpPr>
-        <a:xfrm>
-          <a:off x="0" y="0"/>
-          <a:ext cx="0" cy="0"/>
-          <a:chOff x="0" y="0"/>
-          <a:chExt cx="0" cy="0"/>
-        </a:xfrm>
-      </p:grpSpPr>
-      <p:sp>
-        <p:nvSpPr>
-          <p:cNvPr id="2" name="Title 1"/>
-          <p:cNvSpPr>
-            <a:spLocks noGrp="1"/>
-          </p:cNvSpPr>
-          <p:nvPr>
-            <p:ph type="title"/>
-          </p:nvPr>
-        </p:nvSpPr>
-        <p:spPr/>
-        <p:txBody>
-          <a:bodyPr/>
-          <a:lstStyle/>
-          <a:p>
-            <a:r>
               <a:rPr lang="en-US" dirty="0" err="1" smtClean="0"/>
               <a:t>Filesharing</a:t>
             </a:r>
@@ -3896,7 +3669,7 @@
 </p:sld>
 </file>
 
-<file path=ppt/slides/slide13.xml><?xml version="1.0" encoding="utf-8"?>
+<file path=ppt/slides/slide11.xml><?xml version="1.0" encoding="utf-8"?>
 <p:sld xmlns:a="http://schemas.openxmlformats.org/drawingml/2006/main" xmlns:r="http://schemas.openxmlformats.org/officeDocument/2006/relationships" xmlns:p="http://schemas.openxmlformats.org/presentationml/2006/main">
   <p:cSld>
     <p:spTree>
@@ -3996,552 +3769,7 @@
 </p:sld>
 </file>
 
-<file path=ppt/slides/slide14.xml><?xml version="1.0" encoding="utf-8"?>
-<p:sld xmlns:a="http://schemas.openxmlformats.org/drawingml/2006/main" xmlns:r="http://schemas.openxmlformats.org/officeDocument/2006/relationships" xmlns:p="http://schemas.openxmlformats.org/presentationml/2006/main">
-  <p:cSld>
-    <p:spTree>
-      <p:nvGrpSpPr>
-        <p:cNvPr id="1" name=""/>
-        <p:cNvGrpSpPr/>
-        <p:nvPr/>
-      </p:nvGrpSpPr>
-      <p:grpSpPr>
-        <a:xfrm>
-          <a:off x="0" y="0"/>
-          <a:ext cx="0" cy="0"/>
-          <a:chOff x="0" y="0"/>
-          <a:chExt cx="0" cy="0"/>
-        </a:xfrm>
-      </p:grpSpPr>
-      <p:sp>
-        <p:nvSpPr>
-          <p:cNvPr id="2" name="Title 1"/>
-          <p:cNvSpPr>
-            <a:spLocks noGrp="1"/>
-          </p:cNvSpPr>
-          <p:nvPr>
-            <p:ph type="title"/>
-          </p:nvPr>
-        </p:nvSpPr>
-        <p:spPr/>
-        <p:txBody>
-          <a:bodyPr/>
-          <a:lstStyle/>
-          <a:p>
-            <a:endParaRPr lang="en-US"/>
-          </a:p>
-        </p:txBody>
-      </p:sp>
-      <p:sp>
-        <p:nvSpPr>
-          <p:cNvPr id="3" name="Content Placeholder 2"/>
-          <p:cNvSpPr>
-            <a:spLocks noGrp="1"/>
-          </p:cNvSpPr>
-          <p:nvPr>
-            <p:ph idx="1"/>
-          </p:nvPr>
-        </p:nvSpPr>
-        <p:spPr/>
-        <p:txBody>
-          <a:bodyPr/>
-          <a:lstStyle/>
-          <a:p>
-            <a:endParaRPr lang="en-US"/>
-          </a:p>
-        </p:txBody>
-      </p:sp>
-    </p:spTree>
-    <p:extLst>
-      <p:ext uri="{BB962C8B-B14F-4D97-AF65-F5344CB8AC3E}">
-        <p14:creationId xmlns:p14="http://schemas.microsoft.com/office/powerpoint/2010/main" val="3065613136"/>
-      </p:ext>
-    </p:extLst>
-  </p:cSld>
-  <p:clrMapOvr>
-    <a:masterClrMapping/>
-  </p:clrMapOvr>
-</p:sld>
-</file>
-
-<file path=ppt/slides/slide2.xml><?xml version="1.0" encoding="utf-8"?>
-<p:sld xmlns:a="http://schemas.openxmlformats.org/drawingml/2006/main" xmlns:r="http://schemas.openxmlformats.org/officeDocument/2006/relationships" xmlns:p="http://schemas.openxmlformats.org/presentationml/2006/main">
-  <p:cSld>
-    <p:spTree>
-      <p:nvGrpSpPr>
-        <p:cNvPr id="1" name=""/>
-        <p:cNvGrpSpPr/>
-        <p:nvPr/>
-      </p:nvGrpSpPr>
-      <p:grpSpPr>
-        <a:xfrm>
-          <a:off x="0" y="0"/>
-          <a:ext cx="0" cy="0"/>
-          <a:chOff x="0" y="0"/>
-          <a:chExt cx="0" cy="0"/>
-        </a:xfrm>
-      </p:grpSpPr>
-      <p:sp>
-        <p:nvSpPr>
-          <p:cNvPr id="2" name="Title 1"/>
-          <p:cNvSpPr>
-            <a:spLocks noGrp="1"/>
-          </p:cNvSpPr>
-          <p:nvPr>
-            <p:ph type="title"/>
-          </p:nvPr>
-        </p:nvSpPr>
-        <p:spPr/>
-        <p:txBody>
-          <a:bodyPr/>
-          <a:lstStyle/>
-          <a:p>
-            <a:r>
-              <a:rPr lang="en-US" dirty="0" smtClean="0"/>
-              <a:t>Introduction</a:t>
-            </a:r>
-            <a:endParaRPr lang="en-US" dirty="0"/>
-          </a:p>
-        </p:txBody>
-      </p:sp>
-      <p:sp>
-        <p:nvSpPr>
-          <p:cNvPr id="3" name="Content Placeholder 2"/>
-          <p:cNvSpPr>
-            <a:spLocks noGrp="1"/>
-          </p:cNvSpPr>
-          <p:nvPr>
-            <p:ph idx="1"/>
-          </p:nvPr>
-        </p:nvSpPr>
-        <p:spPr>
-          <a:xfrm>
-            <a:off x="457200" y="1752601"/>
-            <a:ext cx="7620000" cy="2057632"/>
-          </a:xfrm>
-        </p:spPr>
-        <p:txBody>
-          <a:bodyPr/>
-          <a:lstStyle/>
-          <a:p>
-            <a:pPr marL="0" indent="0">
-              <a:buNone/>
-            </a:pPr>
-            <a:r>
-              <a:rPr lang="en-US" dirty="0" smtClean="0"/>
-              <a:t>This project is  a game that stores different decisions and information while checking a bunch of methods.</a:t>
-            </a:r>
-          </a:p>
-          <a:p>
-            <a:pPr marL="0" indent="0">
-              <a:buNone/>
-            </a:pPr>
-            <a:endParaRPr lang="en-US" dirty="0" smtClean="0"/>
-          </a:p>
-          <a:p>
-            <a:pPr marL="0" indent="0">
-              <a:buNone/>
-            </a:pPr>
-            <a:r>
-              <a:rPr lang="en-US" dirty="0" smtClean="0"/>
-              <a:t>Our goal was to design an efficient algorithm  that could guess a random number chose by the computer.</a:t>
-            </a:r>
-            <a:endParaRPr lang="en-US" dirty="0"/>
-          </a:p>
-        </p:txBody>
-      </p:sp>
-    </p:spTree>
-    <p:extLst>
-      <p:ext uri="{BB962C8B-B14F-4D97-AF65-F5344CB8AC3E}">
-        <p14:creationId xmlns:p14="http://schemas.microsoft.com/office/powerpoint/2010/main" val="2284193257"/>
-      </p:ext>
-    </p:extLst>
-  </p:cSld>
-  <p:clrMapOvr>
-    <a:masterClrMapping/>
-  </p:clrMapOvr>
-  <p:timing>
-    <p:tnLst>
-      <p:par>
-        <p:cTn xmlns:p14="http://schemas.microsoft.com/office/powerpoint/2010/main" id="1" dur="indefinite" restart="never" nodeType="tmRoot"/>
-      </p:par>
-    </p:tnLst>
-  </p:timing>
-</p:sld>
-</file>
-
-<file path=ppt/slides/slide3.xml><?xml version="1.0" encoding="utf-8"?>
-<p:sld xmlns:a="http://schemas.openxmlformats.org/drawingml/2006/main" xmlns:r="http://schemas.openxmlformats.org/officeDocument/2006/relationships" xmlns:p="http://schemas.openxmlformats.org/presentationml/2006/main">
-  <p:cSld>
-    <p:spTree>
-      <p:nvGrpSpPr>
-        <p:cNvPr id="1" name=""/>
-        <p:cNvGrpSpPr/>
-        <p:nvPr/>
-      </p:nvGrpSpPr>
-      <p:grpSpPr>
-        <a:xfrm>
-          <a:off x="0" y="0"/>
-          <a:ext cx="0" cy="0"/>
-          <a:chOff x="0" y="0"/>
-          <a:chExt cx="0" cy="0"/>
-        </a:xfrm>
-      </p:grpSpPr>
-      <p:sp>
-        <p:nvSpPr>
-          <p:cNvPr id="2" name="Title 1"/>
-          <p:cNvSpPr>
-            <a:spLocks noGrp="1"/>
-          </p:cNvSpPr>
-          <p:nvPr>
-            <p:ph type="title"/>
-          </p:nvPr>
-        </p:nvSpPr>
-        <p:spPr/>
-        <p:txBody>
-          <a:bodyPr/>
-          <a:lstStyle/>
-          <a:p>
-            <a:r>
-              <a:rPr lang="en-US" dirty="0" smtClean="0"/>
-              <a:t>Gameplay</a:t>
-            </a:r>
-            <a:endParaRPr lang="en-US" dirty="0"/>
-          </a:p>
-        </p:txBody>
-      </p:sp>
-      <p:pic>
-        <p:nvPicPr>
-          <p:cNvPr id="4" name="Content Placeholder 3" descr="Screen Shot 2017-05-15 at 8.04.28 PM.png"/>
-          <p:cNvPicPr>
-            <a:picLocks noGrp="1" noChangeAspect="1"/>
-          </p:cNvPicPr>
-          <p:nvPr>
-            <p:ph idx="1"/>
-          </p:nvPr>
-        </p:nvPicPr>
-        <p:blipFill rotWithShape="1">
-          <a:blip r:embed="rId2">
-            <a:extLst>
-              <a:ext uri="{28A0092B-C50C-407E-A947-70E740481C1C}">
-                <a14:useLocalDpi xmlns:a14="http://schemas.microsoft.com/office/drawing/2010/main" val="0"/>
-              </a:ext>
-            </a:extLst>
-          </a:blip>
-          <a:srcRect t="-14537" b="-14537"/>
-          <a:stretch/>
-        </p:blipFill>
-        <p:spPr>
-          <a:xfrm>
-            <a:off x="457200" y="1253366"/>
-            <a:ext cx="7620000" cy="5214002"/>
-          </a:xfrm>
-        </p:spPr>
-      </p:pic>
-    </p:spTree>
-    <p:extLst>
-      <p:ext uri="{BB962C8B-B14F-4D97-AF65-F5344CB8AC3E}">
-        <p14:creationId xmlns:p14="http://schemas.microsoft.com/office/powerpoint/2010/main" val="1927655279"/>
-      </p:ext>
-    </p:extLst>
-  </p:cSld>
-  <p:clrMapOvr>
-    <a:masterClrMapping/>
-  </p:clrMapOvr>
-</p:sld>
-</file>
-
-<file path=ppt/slides/slide4.xml><?xml version="1.0" encoding="utf-8"?>
-<p:sld xmlns:a="http://schemas.openxmlformats.org/drawingml/2006/main" xmlns:r="http://schemas.openxmlformats.org/officeDocument/2006/relationships" xmlns:p="http://schemas.openxmlformats.org/presentationml/2006/main">
-  <p:cSld>
-    <p:spTree>
-      <p:nvGrpSpPr>
-        <p:cNvPr id="1" name=""/>
-        <p:cNvGrpSpPr/>
-        <p:nvPr/>
-      </p:nvGrpSpPr>
-      <p:grpSpPr>
-        <a:xfrm>
-          <a:off x="0" y="0"/>
-          <a:ext cx="0" cy="0"/>
-          <a:chOff x="0" y="0"/>
-          <a:chExt cx="0" cy="0"/>
-        </a:xfrm>
-      </p:grpSpPr>
-      <p:sp>
-        <p:nvSpPr>
-          <p:cNvPr id="2" name="Title 1"/>
-          <p:cNvSpPr>
-            <a:spLocks noGrp="1"/>
-          </p:cNvSpPr>
-          <p:nvPr>
-            <p:ph type="title"/>
-          </p:nvPr>
-        </p:nvSpPr>
-        <p:spPr/>
-        <p:txBody>
-          <a:bodyPr/>
-          <a:lstStyle/>
-          <a:p>
-            <a:r>
-              <a:rPr lang="en-US" dirty="0" smtClean="0"/>
-              <a:t>Game Modes</a:t>
-            </a:r>
-            <a:endParaRPr lang="en-US" dirty="0"/>
-          </a:p>
-        </p:txBody>
-      </p:sp>
-      <p:sp>
-        <p:nvSpPr>
-          <p:cNvPr id="3" name="Content Placeholder 2"/>
-          <p:cNvSpPr>
-            <a:spLocks noGrp="1"/>
-          </p:cNvSpPr>
-          <p:nvPr>
-            <p:ph idx="1"/>
-          </p:nvPr>
-        </p:nvSpPr>
-        <p:spPr/>
-        <p:txBody>
-          <a:bodyPr>
-            <a:normAutofit/>
-          </a:bodyPr>
-          <a:lstStyle/>
-          <a:p>
-            <a:pPr marL="0" indent="0">
-              <a:buNone/>
-            </a:pPr>
-            <a:r>
-              <a:rPr lang="en-US" dirty="0" smtClean="0"/>
-              <a:t>We created 2 ways to play our Guessing game. This first mode will be based around the computer choosing a number and the user of the computer guessing the number correctly.</a:t>
-            </a:r>
-          </a:p>
-          <a:p>
-            <a:pPr marL="0" indent="0">
-              <a:buNone/>
-            </a:pPr>
-            <a:endParaRPr lang="en-US" dirty="0"/>
-          </a:p>
-          <a:p>
-            <a:pPr marL="0" indent="0">
-              <a:buNone/>
-            </a:pPr>
-            <a:r>
-              <a:rPr lang="en-US" dirty="0" smtClean="0"/>
-              <a:t>Our 2</a:t>
-            </a:r>
-            <a:r>
-              <a:rPr lang="en-US" baseline="30000" dirty="0" smtClean="0"/>
-              <a:t>nd</a:t>
-            </a:r>
-            <a:r>
-              <a:rPr lang="en-US" dirty="0" smtClean="0"/>
-              <a:t> game mode will be based on the opposite situation. In this case a user will chose the number guessed, and we will try and have the computer try and guess the number. </a:t>
-            </a:r>
-            <a:endParaRPr lang="en-US" dirty="0"/>
-          </a:p>
-        </p:txBody>
-      </p:sp>
-    </p:spTree>
-    <p:extLst>
-      <p:ext uri="{BB962C8B-B14F-4D97-AF65-F5344CB8AC3E}">
-        <p14:creationId xmlns:p14="http://schemas.microsoft.com/office/powerpoint/2010/main" val="116747862"/>
-      </p:ext>
-    </p:extLst>
-  </p:cSld>
-  <p:clrMapOvr>
-    <a:masterClrMapping/>
-  </p:clrMapOvr>
-  <p:timing>
-    <p:tnLst>
-      <p:par>
-        <p:cTn xmlns:p14="http://schemas.microsoft.com/office/powerpoint/2010/main" id="1" dur="indefinite" restart="never" nodeType="tmRoot"/>
-      </p:par>
-    </p:tnLst>
-  </p:timing>
-</p:sld>
-</file>
-
-<file path=ppt/slides/slide5.xml><?xml version="1.0" encoding="utf-8"?>
-<p:sld xmlns:a="http://schemas.openxmlformats.org/drawingml/2006/main" xmlns:r="http://schemas.openxmlformats.org/officeDocument/2006/relationships" xmlns:p="http://schemas.openxmlformats.org/presentationml/2006/main">
-  <p:cSld>
-    <p:spTree>
-      <p:nvGrpSpPr>
-        <p:cNvPr id="1" name=""/>
-        <p:cNvGrpSpPr/>
-        <p:nvPr/>
-      </p:nvGrpSpPr>
-      <p:grpSpPr>
-        <a:xfrm>
-          <a:off x="0" y="0"/>
-          <a:ext cx="0" cy="0"/>
-          <a:chOff x="0" y="0"/>
-          <a:chExt cx="0" cy="0"/>
-        </a:xfrm>
-      </p:grpSpPr>
-      <p:sp>
-        <p:nvSpPr>
-          <p:cNvPr id="2" name="Title 1"/>
-          <p:cNvSpPr>
-            <a:spLocks noGrp="1"/>
-          </p:cNvSpPr>
-          <p:nvPr>
-            <p:ph type="title"/>
-          </p:nvPr>
-        </p:nvSpPr>
-        <p:spPr/>
-        <p:txBody>
-          <a:bodyPr/>
-          <a:lstStyle/>
-          <a:p>
-            <a:r>
-              <a:rPr lang="en-US" dirty="0" smtClean="0"/>
-              <a:t>Gameplay</a:t>
-            </a:r>
-            <a:endParaRPr lang="en-US" dirty="0"/>
-          </a:p>
-        </p:txBody>
-      </p:sp>
-      <p:pic>
-        <p:nvPicPr>
-          <p:cNvPr id="4" name="Content Placeholder 3" descr="Screen Shot 2017-05-15 at 7.58.55 PM.png"/>
-          <p:cNvPicPr>
-            <a:picLocks noGrp="1" noChangeAspect="1"/>
-          </p:cNvPicPr>
-          <p:nvPr>
-            <p:ph idx="1"/>
-          </p:nvPr>
-        </p:nvPicPr>
-        <p:blipFill rotWithShape="1">
-          <a:blip r:embed="rId2">
-            <a:extLst>
-              <a:ext uri="{28A0092B-C50C-407E-A947-70E740481C1C}">
-                <a14:useLocalDpi xmlns:a14="http://schemas.microsoft.com/office/drawing/2010/main" val="0"/>
-              </a:ext>
-            </a:extLst>
-          </a:blip>
-          <a:srcRect t="4493" b="43239"/>
-          <a:stretch/>
-        </p:blipFill>
-        <p:spPr/>
-      </p:pic>
-    </p:spTree>
-    <p:extLst>
-      <p:ext uri="{BB962C8B-B14F-4D97-AF65-F5344CB8AC3E}">
-        <p14:creationId xmlns:p14="http://schemas.microsoft.com/office/powerpoint/2010/main" val="1562797515"/>
-      </p:ext>
-    </p:extLst>
-  </p:cSld>
-  <p:clrMapOvr>
-    <a:masterClrMapping/>
-  </p:clrMapOvr>
-</p:sld>
-</file>
-
-<file path=ppt/slides/slide6.xml><?xml version="1.0" encoding="utf-8"?>
-<p:sld xmlns:a="http://schemas.openxmlformats.org/drawingml/2006/main" xmlns:r="http://schemas.openxmlformats.org/officeDocument/2006/relationships" xmlns:p="http://schemas.openxmlformats.org/presentationml/2006/main">
-  <p:cSld>
-    <p:spTree>
-      <p:nvGrpSpPr>
-        <p:cNvPr id="1" name=""/>
-        <p:cNvGrpSpPr/>
-        <p:nvPr/>
-      </p:nvGrpSpPr>
-      <p:grpSpPr>
-        <a:xfrm>
-          <a:off x="0" y="0"/>
-          <a:ext cx="0" cy="0"/>
-          <a:chOff x="0" y="0"/>
-          <a:chExt cx="0" cy="0"/>
-        </a:xfrm>
-      </p:grpSpPr>
-      <p:sp>
-        <p:nvSpPr>
-          <p:cNvPr id="2" name="Title 1"/>
-          <p:cNvSpPr>
-            <a:spLocks noGrp="1"/>
-          </p:cNvSpPr>
-          <p:nvPr>
-            <p:ph type="title"/>
-          </p:nvPr>
-        </p:nvSpPr>
-        <p:spPr/>
-        <p:txBody>
-          <a:bodyPr/>
-          <a:lstStyle/>
-          <a:p>
-            <a:r>
-              <a:rPr lang="en-US" dirty="0" smtClean="0"/>
-              <a:t>Underlying Data Structures</a:t>
-            </a:r>
-            <a:endParaRPr lang="en-US" dirty="0"/>
-          </a:p>
-        </p:txBody>
-      </p:sp>
-      <p:sp>
-        <p:nvSpPr>
-          <p:cNvPr id="3" name="Content Placeholder 2"/>
-          <p:cNvSpPr>
-            <a:spLocks noGrp="1"/>
-          </p:cNvSpPr>
-          <p:nvPr>
-            <p:ph idx="1"/>
-          </p:nvPr>
-        </p:nvSpPr>
-        <p:spPr/>
-        <p:txBody>
-          <a:bodyPr/>
-          <a:lstStyle/>
-          <a:p>
-            <a:r>
-              <a:rPr lang="en-US" dirty="0" smtClean="0"/>
-              <a:t>-Vectors</a:t>
-            </a:r>
-          </a:p>
-          <a:p>
-            <a:r>
-              <a:rPr lang="en-US" dirty="0" smtClean="0"/>
-              <a:t>-Arrays</a:t>
-            </a:r>
-          </a:p>
-          <a:p>
-            <a:endParaRPr lang="en-US" dirty="0"/>
-          </a:p>
-          <a:p>
-            <a:endParaRPr lang="en-US" dirty="0"/>
-          </a:p>
-          <a:p>
-            <a:endParaRPr lang="en-US" dirty="0" smtClean="0"/>
-          </a:p>
-          <a:p>
-            <a:endParaRPr lang="en-US" dirty="0"/>
-          </a:p>
-          <a:p>
-            <a:endParaRPr lang="en-US" dirty="0"/>
-          </a:p>
-        </p:txBody>
-      </p:sp>
-    </p:spTree>
-    <p:extLst>
-      <p:ext uri="{BB962C8B-B14F-4D97-AF65-F5344CB8AC3E}">
-        <p14:creationId xmlns:p14="http://schemas.microsoft.com/office/powerpoint/2010/main" val="1481729011"/>
-      </p:ext>
-    </p:extLst>
-  </p:cSld>
-  <p:clrMapOvr>
-    <a:masterClrMapping/>
-  </p:clrMapOvr>
-  <p:timing>
-    <p:tnLst>
-      <p:par>
-        <p:cTn xmlns:p14="http://schemas.microsoft.com/office/powerpoint/2010/main" id="1" dur="indefinite" restart="never" nodeType="tmRoot"/>
-      </p:par>
-    </p:tnLst>
-  </p:timing>
-</p:sld>
-</file>
-
-<file path=ppt/slides/slide7.xml><?xml version="1.0" encoding="utf-8"?>
+<file path=ppt/slides/slide12.xml><?xml version="1.0" encoding="utf-8"?>
 <p:sld xmlns:a="http://schemas.openxmlformats.org/drawingml/2006/main" xmlns:r="http://schemas.openxmlformats.org/officeDocument/2006/relationships" xmlns:p="http://schemas.openxmlformats.org/presentationml/2006/main">
   <p:cSld>
     <p:spTree>
@@ -4672,6 +3900,807 @@
 </p:sld>
 </file>
 
+<file path=ppt/slides/slide13.xml><?xml version="1.0" encoding="utf-8"?>
+<p:sld xmlns:a="http://schemas.openxmlformats.org/drawingml/2006/main" xmlns:r="http://schemas.openxmlformats.org/officeDocument/2006/relationships" xmlns:p="http://schemas.openxmlformats.org/presentationml/2006/main">
+  <p:cSld>
+    <p:spTree>
+      <p:nvGrpSpPr>
+        <p:cNvPr id="1" name=""/>
+        <p:cNvGrpSpPr/>
+        <p:nvPr/>
+      </p:nvGrpSpPr>
+      <p:grpSpPr>
+        <a:xfrm>
+          <a:off x="0" y="0"/>
+          <a:ext cx="0" cy="0"/>
+          <a:chOff x="0" y="0"/>
+          <a:chExt cx="0" cy="0"/>
+        </a:xfrm>
+      </p:grpSpPr>
+      <p:sp>
+        <p:nvSpPr>
+          <p:cNvPr id="2" name="Title 1"/>
+          <p:cNvSpPr>
+            <a:spLocks noGrp="1"/>
+          </p:cNvSpPr>
+          <p:nvPr>
+            <p:ph type="title"/>
+          </p:nvPr>
+        </p:nvSpPr>
+        <p:spPr/>
+        <p:txBody>
+          <a:bodyPr/>
+          <a:lstStyle/>
+          <a:p>
+            <a:r>
+              <a:rPr lang="en-US" dirty="0" smtClean="0"/>
+              <a:t>Issues with the code</a:t>
+            </a:r>
+            <a:endParaRPr lang="en-US" dirty="0"/>
+          </a:p>
+        </p:txBody>
+      </p:sp>
+      <p:sp>
+        <p:nvSpPr>
+          <p:cNvPr id="3" name="Content Placeholder 2"/>
+          <p:cNvSpPr>
+            <a:spLocks noGrp="1"/>
+          </p:cNvSpPr>
+          <p:nvPr>
+            <p:ph idx="1"/>
+          </p:nvPr>
+        </p:nvSpPr>
+        <p:spPr/>
+        <p:txBody>
+          <a:bodyPr/>
+          <a:lstStyle/>
+          <a:p>
+            <a:r>
+              <a:rPr lang="en-US" dirty="0" smtClean="0"/>
+              <a:t>-A </a:t>
+            </a:r>
+            <a:r>
+              <a:rPr lang="en-US" dirty="0" smtClean="0"/>
+              <a:t>problem we had was creating the 2</a:t>
+            </a:r>
+            <a:r>
+              <a:rPr lang="en-US" baseline="30000" dirty="0" smtClean="0"/>
+              <a:t>nd</a:t>
+            </a:r>
+            <a:r>
+              <a:rPr lang="en-US" dirty="0" smtClean="0"/>
+              <a:t> class which is the computer’s guess. </a:t>
+            </a:r>
+          </a:p>
+          <a:p>
+            <a:r>
+              <a:rPr lang="en-US" dirty="0" smtClean="0"/>
+              <a:t>-There was struggle with </a:t>
+            </a:r>
+            <a:r>
+              <a:rPr lang="en-US" dirty="0" err="1" smtClean="0"/>
+              <a:t>filestreaming</a:t>
+            </a:r>
+            <a:r>
+              <a:rPr lang="en-US" dirty="0" smtClean="0"/>
+              <a:t> </a:t>
+            </a:r>
+            <a:r>
+              <a:rPr lang="en-US" dirty="0" smtClean="0"/>
+              <a:t>within our program. We wanted to connect data points from a survey to the </a:t>
+            </a:r>
+            <a:r>
+              <a:rPr lang="en-US" dirty="0" smtClean="0"/>
+              <a:t>computer.</a:t>
+            </a:r>
+            <a:endParaRPr lang="en-US" dirty="0"/>
+          </a:p>
+          <a:p>
+            <a:r>
+              <a:rPr lang="en-US" dirty="0" smtClean="0"/>
+              <a:t>-We have to limit the amount of guesses that the computer can </a:t>
+            </a:r>
+            <a:r>
+              <a:rPr lang="en-US" dirty="0" smtClean="0"/>
+              <a:t>have</a:t>
+            </a:r>
+            <a:r>
+              <a:rPr lang="en-US" dirty="0" smtClean="0"/>
+              <a:t>(?)</a:t>
+            </a:r>
+            <a:endParaRPr lang="en-US" dirty="0" smtClean="0"/>
+          </a:p>
+          <a:p>
+            <a:r>
+              <a:rPr lang="en-US" dirty="0" smtClean="0"/>
+              <a:t>-Every number wasn’t accounted for from the survey. We had to add 1-100 in addition to our survey responses</a:t>
+            </a:r>
+            <a:endParaRPr lang="en-US" dirty="0"/>
+          </a:p>
+          <a:p>
+            <a:endParaRPr lang="en-US" dirty="0"/>
+          </a:p>
+        </p:txBody>
+      </p:sp>
+    </p:spTree>
+    <p:extLst>
+      <p:ext uri="{BB962C8B-B14F-4D97-AF65-F5344CB8AC3E}">
+        <p14:creationId xmlns:p14="http://schemas.microsoft.com/office/powerpoint/2010/main" val="4172041938"/>
+      </p:ext>
+    </p:extLst>
+  </p:cSld>
+  <p:clrMapOvr>
+    <a:masterClrMapping/>
+  </p:clrMapOvr>
+  <p:timing>
+    <p:tnLst>
+      <p:par>
+        <p:cTn xmlns:p14="http://schemas.microsoft.com/office/powerpoint/2010/main" id="1" dur="indefinite" restart="never" nodeType="tmRoot"/>
+      </p:par>
+    </p:tnLst>
+  </p:timing>
+</p:sld>
+</file>
+
+<file path=ppt/slides/slide2.xml><?xml version="1.0" encoding="utf-8"?>
+<p:sld xmlns:a="http://schemas.openxmlformats.org/drawingml/2006/main" xmlns:r="http://schemas.openxmlformats.org/officeDocument/2006/relationships" xmlns:p="http://schemas.openxmlformats.org/presentationml/2006/main">
+  <p:cSld>
+    <p:spTree>
+      <p:nvGrpSpPr>
+        <p:cNvPr id="1" name=""/>
+        <p:cNvGrpSpPr/>
+        <p:nvPr/>
+      </p:nvGrpSpPr>
+      <p:grpSpPr>
+        <a:xfrm>
+          <a:off x="0" y="0"/>
+          <a:ext cx="0" cy="0"/>
+          <a:chOff x="0" y="0"/>
+          <a:chExt cx="0" cy="0"/>
+        </a:xfrm>
+      </p:grpSpPr>
+      <p:sp>
+        <p:nvSpPr>
+          <p:cNvPr id="2" name="Title 1"/>
+          <p:cNvSpPr>
+            <a:spLocks noGrp="1"/>
+          </p:cNvSpPr>
+          <p:nvPr>
+            <p:ph type="title"/>
+          </p:nvPr>
+        </p:nvSpPr>
+        <p:spPr/>
+        <p:txBody>
+          <a:bodyPr/>
+          <a:lstStyle/>
+          <a:p>
+            <a:r>
+              <a:rPr lang="en-US" dirty="0" smtClean="0"/>
+              <a:t>Introduction</a:t>
+            </a:r>
+            <a:endParaRPr lang="en-US" dirty="0"/>
+          </a:p>
+        </p:txBody>
+      </p:sp>
+      <p:sp>
+        <p:nvSpPr>
+          <p:cNvPr id="3" name="Content Placeholder 2"/>
+          <p:cNvSpPr>
+            <a:spLocks noGrp="1"/>
+          </p:cNvSpPr>
+          <p:nvPr>
+            <p:ph idx="1"/>
+          </p:nvPr>
+        </p:nvSpPr>
+        <p:spPr>
+          <a:xfrm>
+            <a:off x="457200" y="1752601"/>
+            <a:ext cx="7620000" cy="2057632"/>
+          </a:xfrm>
+        </p:spPr>
+        <p:txBody>
+          <a:bodyPr/>
+          <a:lstStyle/>
+          <a:p>
+            <a:pPr marL="0" indent="0">
+              <a:buNone/>
+            </a:pPr>
+            <a:r>
+              <a:rPr lang="en-US" dirty="0" smtClean="0"/>
+              <a:t>This project is  a game that stores different decisions and information while checking a bunch of methods.</a:t>
+            </a:r>
+          </a:p>
+          <a:p>
+            <a:pPr marL="0" indent="0">
+              <a:buNone/>
+            </a:pPr>
+            <a:endParaRPr lang="en-US" dirty="0" smtClean="0"/>
+          </a:p>
+          <a:p>
+            <a:pPr marL="0" indent="0">
+              <a:buNone/>
+            </a:pPr>
+            <a:r>
+              <a:rPr lang="en-US" dirty="0" smtClean="0"/>
+              <a:t>Our goal was to design an efficient algorithm  that could guess a random number chose by the computer.</a:t>
+            </a:r>
+            <a:endParaRPr lang="en-US" dirty="0"/>
+          </a:p>
+        </p:txBody>
+      </p:sp>
+    </p:spTree>
+    <p:extLst>
+      <p:ext uri="{BB962C8B-B14F-4D97-AF65-F5344CB8AC3E}">
+        <p14:creationId xmlns:p14="http://schemas.microsoft.com/office/powerpoint/2010/main" val="2284193257"/>
+      </p:ext>
+    </p:extLst>
+  </p:cSld>
+  <p:clrMapOvr>
+    <a:masterClrMapping/>
+  </p:clrMapOvr>
+  <p:timing>
+    <p:tnLst>
+      <p:par>
+        <p:cTn xmlns:p14="http://schemas.microsoft.com/office/powerpoint/2010/main" id="1" dur="indefinite" restart="never" nodeType="tmRoot"/>
+      </p:par>
+    </p:tnLst>
+  </p:timing>
+</p:sld>
+</file>
+
+<file path=ppt/slides/slide3.xml><?xml version="1.0" encoding="utf-8"?>
+<p:sld xmlns:a="http://schemas.openxmlformats.org/drawingml/2006/main" xmlns:r="http://schemas.openxmlformats.org/officeDocument/2006/relationships" xmlns:p="http://schemas.openxmlformats.org/presentationml/2006/main">
+  <p:cSld>
+    <p:spTree>
+      <p:nvGrpSpPr>
+        <p:cNvPr id="1" name=""/>
+        <p:cNvGrpSpPr/>
+        <p:nvPr/>
+      </p:nvGrpSpPr>
+      <p:grpSpPr>
+        <a:xfrm>
+          <a:off x="0" y="0"/>
+          <a:ext cx="0" cy="0"/>
+          <a:chOff x="0" y="0"/>
+          <a:chExt cx="0" cy="0"/>
+        </a:xfrm>
+      </p:grpSpPr>
+      <p:sp>
+        <p:nvSpPr>
+          <p:cNvPr id="2" name="Title 1"/>
+          <p:cNvSpPr>
+            <a:spLocks noGrp="1"/>
+          </p:cNvSpPr>
+          <p:nvPr>
+            <p:ph type="title"/>
+          </p:nvPr>
+        </p:nvSpPr>
+        <p:spPr/>
+        <p:txBody>
+          <a:bodyPr/>
+          <a:lstStyle/>
+          <a:p>
+            <a:r>
+              <a:rPr lang="en-US" dirty="0" smtClean="0"/>
+              <a:t>Information Needed</a:t>
+            </a:r>
+            <a:endParaRPr lang="en-US" dirty="0"/>
+          </a:p>
+        </p:txBody>
+      </p:sp>
+      <p:sp>
+        <p:nvSpPr>
+          <p:cNvPr id="3" name="Content Placeholder 2"/>
+          <p:cNvSpPr>
+            <a:spLocks noGrp="1"/>
+          </p:cNvSpPr>
+          <p:nvPr>
+            <p:ph idx="1"/>
+          </p:nvPr>
+        </p:nvSpPr>
+        <p:spPr/>
+        <p:txBody>
+          <a:bodyPr/>
+          <a:lstStyle/>
+          <a:p>
+            <a:r>
+              <a:rPr lang="en-US" dirty="0" smtClean="0"/>
+              <a:t>-variables </a:t>
+            </a:r>
+            <a:r>
+              <a:rPr lang="en-US" dirty="0" smtClean="0"/>
+              <a:t>that would hold different things.</a:t>
+            </a:r>
+          </a:p>
+          <a:p>
+            <a:r>
+              <a:rPr lang="en-US" dirty="0" smtClean="0"/>
+              <a:t>-we need a function </a:t>
+            </a:r>
+            <a:r>
+              <a:rPr lang="en-US" dirty="0" smtClean="0"/>
+              <a:t>to randomly chose a number</a:t>
+            </a:r>
+          </a:p>
+          <a:p>
+            <a:r>
+              <a:rPr lang="en-US" dirty="0" smtClean="0"/>
+              <a:t>-A </a:t>
+            </a:r>
+            <a:r>
+              <a:rPr lang="en-US" dirty="0" smtClean="0"/>
+              <a:t>function that </a:t>
+            </a:r>
+            <a:r>
+              <a:rPr lang="en-US" dirty="0" smtClean="0"/>
+              <a:t>stores difficulty for user who is guessing the computer’s chosen number.</a:t>
+            </a:r>
+            <a:endParaRPr lang="en-US" dirty="0" smtClean="0"/>
+          </a:p>
+          <a:p>
+            <a:r>
+              <a:rPr lang="en-US" dirty="0" smtClean="0"/>
+              <a:t>-True </a:t>
+            </a:r>
+            <a:r>
+              <a:rPr lang="en-US" dirty="0" smtClean="0"/>
+              <a:t>or False </a:t>
+            </a:r>
+            <a:r>
+              <a:rPr lang="en-US" dirty="0" smtClean="0"/>
+              <a:t>statements </a:t>
+            </a:r>
+            <a:r>
+              <a:rPr lang="en-US" dirty="0" smtClean="0"/>
+              <a:t>to confirm that users guess is within the permitted size</a:t>
+            </a:r>
+          </a:p>
+          <a:p>
+            <a:r>
+              <a:rPr lang="en-US" dirty="0" smtClean="0"/>
+              <a:t>-A </a:t>
+            </a:r>
+            <a:r>
+              <a:rPr lang="en-US" dirty="0" smtClean="0"/>
+              <a:t>void function that will check if the guess is too low or too high from the random number generated.</a:t>
+            </a:r>
+          </a:p>
+          <a:p>
+            <a:endParaRPr lang="en-US" dirty="0" smtClean="0"/>
+          </a:p>
+        </p:txBody>
+      </p:sp>
+    </p:spTree>
+    <p:extLst>
+      <p:ext uri="{BB962C8B-B14F-4D97-AF65-F5344CB8AC3E}">
+        <p14:creationId xmlns:p14="http://schemas.microsoft.com/office/powerpoint/2010/main" val="1044680601"/>
+      </p:ext>
+    </p:extLst>
+  </p:cSld>
+  <p:clrMapOvr>
+    <a:masterClrMapping/>
+  </p:clrMapOvr>
+  <p:timing>
+    <p:tnLst>
+      <p:par>
+        <p:cTn xmlns:p14="http://schemas.microsoft.com/office/powerpoint/2010/main" id="1" dur="indefinite" restart="never" nodeType="tmRoot"/>
+      </p:par>
+    </p:tnLst>
+  </p:timing>
+</p:sld>
+</file>
+
+<file path=ppt/slides/slide4.xml><?xml version="1.0" encoding="utf-8"?>
+<p:sld xmlns:a="http://schemas.openxmlformats.org/drawingml/2006/main" xmlns:r="http://schemas.openxmlformats.org/officeDocument/2006/relationships" xmlns:p="http://schemas.openxmlformats.org/presentationml/2006/main">
+  <p:cSld>
+    <p:spTree>
+      <p:nvGrpSpPr>
+        <p:cNvPr id="1" name=""/>
+        <p:cNvGrpSpPr/>
+        <p:nvPr/>
+      </p:nvGrpSpPr>
+      <p:grpSpPr>
+        <a:xfrm>
+          <a:off x="0" y="0"/>
+          <a:ext cx="0" cy="0"/>
+          <a:chOff x="0" y="0"/>
+          <a:chExt cx="0" cy="0"/>
+        </a:xfrm>
+      </p:grpSpPr>
+      <p:sp>
+        <p:nvSpPr>
+          <p:cNvPr id="2" name="Title 1"/>
+          <p:cNvSpPr>
+            <a:spLocks noGrp="1"/>
+          </p:cNvSpPr>
+          <p:nvPr>
+            <p:ph type="title"/>
+          </p:nvPr>
+        </p:nvSpPr>
+        <p:spPr/>
+        <p:txBody>
+          <a:bodyPr/>
+          <a:lstStyle/>
+          <a:p>
+            <a:r>
+              <a:rPr lang="en-US" dirty="0" smtClean="0"/>
+              <a:t>Game Modes</a:t>
+            </a:r>
+            <a:endParaRPr lang="en-US" dirty="0"/>
+          </a:p>
+        </p:txBody>
+      </p:sp>
+      <p:sp>
+        <p:nvSpPr>
+          <p:cNvPr id="3" name="Content Placeholder 2"/>
+          <p:cNvSpPr>
+            <a:spLocks noGrp="1"/>
+          </p:cNvSpPr>
+          <p:nvPr>
+            <p:ph idx="1"/>
+          </p:nvPr>
+        </p:nvSpPr>
+        <p:spPr/>
+        <p:txBody>
+          <a:bodyPr>
+            <a:normAutofit/>
+          </a:bodyPr>
+          <a:lstStyle/>
+          <a:p>
+            <a:pPr marL="0" indent="0">
+              <a:buNone/>
+            </a:pPr>
+            <a:r>
+              <a:rPr lang="en-US" dirty="0" smtClean="0"/>
+              <a:t>We created 2 ways to play our Guessing game. This first mode will be based around the computer choosing a number and the user of the computer guessing the number correctly.</a:t>
+            </a:r>
+          </a:p>
+          <a:p>
+            <a:pPr marL="0" indent="0">
+              <a:buNone/>
+            </a:pPr>
+            <a:endParaRPr lang="en-US" dirty="0"/>
+          </a:p>
+          <a:p>
+            <a:pPr marL="0" indent="0">
+              <a:buNone/>
+            </a:pPr>
+            <a:r>
+              <a:rPr lang="en-US" dirty="0" smtClean="0"/>
+              <a:t>Our 2</a:t>
+            </a:r>
+            <a:r>
+              <a:rPr lang="en-US" baseline="30000" dirty="0" smtClean="0"/>
+              <a:t>nd</a:t>
+            </a:r>
+            <a:r>
+              <a:rPr lang="en-US" dirty="0" smtClean="0"/>
+              <a:t> game mode will be based on the opposite situation. In this case a user will chose the number guessed, and we will try and have the computer try and guess the number. </a:t>
+            </a:r>
+            <a:endParaRPr lang="en-US" dirty="0"/>
+          </a:p>
+        </p:txBody>
+      </p:sp>
+    </p:spTree>
+    <p:extLst>
+      <p:ext uri="{BB962C8B-B14F-4D97-AF65-F5344CB8AC3E}">
+        <p14:creationId xmlns:p14="http://schemas.microsoft.com/office/powerpoint/2010/main" val="116747862"/>
+      </p:ext>
+    </p:extLst>
+  </p:cSld>
+  <p:clrMapOvr>
+    <a:masterClrMapping/>
+  </p:clrMapOvr>
+  <p:timing>
+    <p:tnLst>
+      <p:par>
+        <p:cTn xmlns:p14="http://schemas.microsoft.com/office/powerpoint/2010/main" id="1" dur="indefinite" restart="never" nodeType="tmRoot"/>
+      </p:par>
+    </p:tnLst>
+  </p:timing>
+</p:sld>
+</file>
+
+<file path=ppt/slides/slide5.xml><?xml version="1.0" encoding="utf-8"?>
+<p:sld xmlns:a="http://schemas.openxmlformats.org/drawingml/2006/main" xmlns:r="http://schemas.openxmlformats.org/officeDocument/2006/relationships" xmlns:p="http://schemas.openxmlformats.org/presentationml/2006/main">
+  <p:cSld>
+    <p:spTree>
+      <p:nvGrpSpPr>
+        <p:cNvPr id="1" name=""/>
+        <p:cNvGrpSpPr/>
+        <p:nvPr/>
+      </p:nvGrpSpPr>
+      <p:grpSpPr>
+        <a:xfrm>
+          <a:off x="0" y="0"/>
+          <a:ext cx="0" cy="0"/>
+          <a:chOff x="0" y="0"/>
+          <a:chExt cx="0" cy="0"/>
+        </a:xfrm>
+      </p:grpSpPr>
+      <p:sp>
+        <p:nvSpPr>
+          <p:cNvPr id="2" name="Title 1"/>
+          <p:cNvSpPr>
+            <a:spLocks noGrp="1"/>
+          </p:cNvSpPr>
+          <p:nvPr>
+            <p:ph type="title"/>
+          </p:nvPr>
+        </p:nvSpPr>
+        <p:spPr/>
+        <p:txBody>
+          <a:bodyPr/>
+          <a:lstStyle/>
+          <a:p>
+            <a:r>
+              <a:rPr lang="en-US" dirty="0" smtClean="0"/>
+              <a:t>Difficulty</a:t>
+            </a:r>
+            <a:endParaRPr lang="en-US" dirty="0"/>
+          </a:p>
+        </p:txBody>
+      </p:sp>
+      <p:sp>
+        <p:nvSpPr>
+          <p:cNvPr id="3" name="Content Placeholder 2"/>
+          <p:cNvSpPr>
+            <a:spLocks noGrp="1"/>
+          </p:cNvSpPr>
+          <p:nvPr>
+            <p:ph idx="1"/>
+          </p:nvPr>
+        </p:nvSpPr>
+        <p:spPr/>
+        <p:txBody>
+          <a:bodyPr/>
+          <a:lstStyle/>
+          <a:p>
+            <a:pPr marL="0" indent="0">
+              <a:buNone/>
+            </a:pPr>
+            <a:r>
+              <a:rPr lang="en-US" dirty="0" smtClean="0"/>
+              <a:t>In our game we wanted to give 3 types of ways to play. We have and Easy , Medium , and Hard difficulty.</a:t>
+            </a:r>
+          </a:p>
+          <a:p>
+            <a:pPr marL="0" indent="0">
+              <a:buNone/>
+            </a:pPr>
+            <a:r>
+              <a:rPr lang="en-US" dirty="0" smtClean="0"/>
+              <a:t>-Easy </a:t>
+            </a:r>
+            <a:r>
+              <a:rPr lang="en-US" b="0" dirty="0" smtClean="0"/>
+              <a:t>mode = 7 guesses</a:t>
+            </a:r>
+          </a:p>
+          <a:p>
+            <a:pPr marL="0" indent="0">
+              <a:buNone/>
+            </a:pPr>
+            <a:r>
+              <a:rPr lang="en-US" dirty="0" smtClean="0"/>
+              <a:t>-Medium </a:t>
+            </a:r>
+            <a:r>
+              <a:rPr lang="en-US" b="0" dirty="0" smtClean="0"/>
+              <a:t>mode = 5 guesses</a:t>
+            </a:r>
+          </a:p>
+          <a:p>
+            <a:pPr marL="0" indent="0">
+              <a:buNone/>
+            </a:pPr>
+            <a:r>
+              <a:rPr lang="en-US" dirty="0" smtClean="0"/>
+              <a:t>-Hard </a:t>
+            </a:r>
+            <a:r>
+              <a:rPr lang="en-US" b="0" dirty="0" smtClean="0"/>
+              <a:t>mode = 3 guesses</a:t>
+            </a:r>
+            <a:endParaRPr lang="en-US" b="0" dirty="0"/>
+          </a:p>
+          <a:p>
+            <a:pPr marL="0" indent="0">
+              <a:buNone/>
+            </a:pPr>
+            <a:r>
+              <a:rPr lang="en-US" dirty="0" smtClean="0"/>
+              <a:t>We have a void </a:t>
+            </a:r>
+            <a:r>
+              <a:rPr lang="en-US" dirty="0" smtClean="0"/>
+              <a:t>function that will hold the value entered by the user for </a:t>
+            </a:r>
+            <a:r>
+              <a:rPr lang="en-US" dirty="0" smtClean="0"/>
+              <a:t>difficulty.</a:t>
+            </a:r>
+            <a:endParaRPr lang="en-US" dirty="0"/>
+          </a:p>
+        </p:txBody>
+      </p:sp>
+    </p:spTree>
+    <p:extLst>
+      <p:ext uri="{BB962C8B-B14F-4D97-AF65-F5344CB8AC3E}">
+        <p14:creationId xmlns:p14="http://schemas.microsoft.com/office/powerpoint/2010/main" val="2553480416"/>
+      </p:ext>
+    </p:extLst>
+  </p:cSld>
+  <p:clrMapOvr>
+    <a:masterClrMapping/>
+  </p:clrMapOvr>
+  <p:timing>
+    <p:tnLst>
+      <p:par>
+        <p:cTn xmlns:p14="http://schemas.microsoft.com/office/powerpoint/2010/main" id="1" dur="indefinite" restart="never" nodeType="tmRoot"/>
+      </p:par>
+    </p:tnLst>
+  </p:timing>
+</p:sld>
+</file>
+
+<file path=ppt/slides/slide6.xml><?xml version="1.0" encoding="utf-8"?>
+<p:sld xmlns:a="http://schemas.openxmlformats.org/drawingml/2006/main" xmlns:r="http://schemas.openxmlformats.org/officeDocument/2006/relationships" xmlns:p="http://schemas.openxmlformats.org/presentationml/2006/main">
+  <p:cSld>
+    <p:spTree>
+      <p:nvGrpSpPr>
+        <p:cNvPr id="1" name=""/>
+        <p:cNvGrpSpPr/>
+        <p:nvPr/>
+      </p:nvGrpSpPr>
+      <p:grpSpPr>
+        <a:xfrm>
+          <a:off x="0" y="0"/>
+          <a:ext cx="0" cy="0"/>
+          <a:chOff x="0" y="0"/>
+          <a:chExt cx="0" cy="0"/>
+        </a:xfrm>
+      </p:grpSpPr>
+      <p:sp>
+        <p:nvSpPr>
+          <p:cNvPr id="2" name="Title 1"/>
+          <p:cNvSpPr>
+            <a:spLocks noGrp="1"/>
+          </p:cNvSpPr>
+          <p:nvPr>
+            <p:ph type="title"/>
+          </p:nvPr>
+        </p:nvSpPr>
+        <p:spPr/>
+        <p:txBody>
+          <a:bodyPr/>
+          <a:lstStyle/>
+          <a:p>
+            <a:r>
+              <a:rPr lang="en-US" dirty="0" smtClean="0"/>
+              <a:t>Gameplay</a:t>
+            </a:r>
+            <a:endParaRPr lang="en-US" dirty="0"/>
+          </a:p>
+        </p:txBody>
+      </p:sp>
+      <p:pic>
+        <p:nvPicPr>
+          <p:cNvPr id="4" name="Content Placeholder 3" descr="Screen Shot 2017-05-15 at 8.04.28 PM.png"/>
+          <p:cNvPicPr>
+            <a:picLocks noGrp="1" noChangeAspect="1"/>
+          </p:cNvPicPr>
+          <p:nvPr>
+            <p:ph idx="1"/>
+          </p:nvPr>
+        </p:nvPicPr>
+        <p:blipFill rotWithShape="1">
+          <a:blip r:embed="rId2">
+            <a:extLst>
+              <a:ext uri="{28A0092B-C50C-407E-A947-70E740481C1C}">
+                <a14:useLocalDpi xmlns:a14="http://schemas.microsoft.com/office/drawing/2010/main" val="0"/>
+              </a:ext>
+            </a:extLst>
+          </a:blip>
+          <a:srcRect t="-14537" b="-14537"/>
+          <a:stretch/>
+        </p:blipFill>
+        <p:spPr>
+          <a:xfrm>
+            <a:off x="457200" y="1253366"/>
+            <a:ext cx="7620000" cy="5214002"/>
+          </a:xfrm>
+        </p:spPr>
+      </p:pic>
+    </p:spTree>
+    <p:extLst>
+      <p:ext uri="{BB962C8B-B14F-4D97-AF65-F5344CB8AC3E}">
+        <p14:creationId xmlns:p14="http://schemas.microsoft.com/office/powerpoint/2010/main" val="1927655279"/>
+      </p:ext>
+    </p:extLst>
+  </p:cSld>
+  <p:clrMapOvr>
+    <a:masterClrMapping/>
+  </p:clrMapOvr>
+</p:sld>
+</file>
+
+<file path=ppt/slides/slide7.xml><?xml version="1.0" encoding="utf-8"?>
+<p:sld xmlns:a="http://schemas.openxmlformats.org/drawingml/2006/main" xmlns:r="http://schemas.openxmlformats.org/officeDocument/2006/relationships" xmlns:p="http://schemas.openxmlformats.org/presentationml/2006/main">
+  <p:cSld>
+    <p:spTree>
+      <p:nvGrpSpPr>
+        <p:cNvPr id="1" name=""/>
+        <p:cNvGrpSpPr/>
+        <p:nvPr/>
+      </p:nvGrpSpPr>
+      <p:grpSpPr>
+        <a:xfrm>
+          <a:off x="0" y="0"/>
+          <a:ext cx="0" cy="0"/>
+          <a:chOff x="0" y="0"/>
+          <a:chExt cx="0" cy="0"/>
+        </a:xfrm>
+      </p:grpSpPr>
+      <p:sp>
+        <p:nvSpPr>
+          <p:cNvPr id="2" name="Title 1"/>
+          <p:cNvSpPr>
+            <a:spLocks noGrp="1"/>
+          </p:cNvSpPr>
+          <p:nvPr>
+            <p:ph type="title"/>
+          </p:nvPr>
+        </p:nvSpPr>
+        <p:spPr/>
+        <p:txBody>
+          <a:bodyPr/>
+          <a:lstStyle/>
+          <a:p>
+            <a:r>
+              <a:rPr lang="en-US" dirty="0" smtClean="0"/>
+              <a:t>Gameplay</a:t>
+            </a:r>
+            <a:endParaRPr lang="en-US" dirty="0"/>
+          </a:p>
+        </p:txBody>
+      </p:sp>
+      <p:pic>
+        <p:nvPicPr>
+          <p:cNvPr id="4" name="Content Placeholder 3" descr="Screen Shot 2017-05-15 at 7.58.55 PM.png"/>
+          <p:cNvPicPr>
+            <a:picLocks noGrp="1" noChangeAspect="1"/>
+          </p:cNvPicPr>
+          <p:nvPr>
+            <p:ph idx="1"/>
+          </p:nvPr>
+        </p:nvPicPr>
+        <p:blipFill rotWithShape="1">
+          <a:blip r:embed="rId2">
+            <a:extLst>
+              <a:ext uri="{28A0092B-C50C-407E-A947-70E740481C1C}">
+                <a14:useLocalDpi xmlns:a14="http://schemas.microsoft.com/office/drawing/2010/main" val="0"/>
+              </a:ext>
+            </a:extLst>
+          </a:blip>
+          <a:srcRect t="4493" b="43239"/>
+          <a:stretch/>
+        </p:blipFill>
+        <p:spPr/>
+      </p:pic>
+    </p:spTree>
+    <p:extLst>
+      <p:ext uri="{BB962C8B-B14F-4D97-AF65-F5344CB8AC3E}">
+        <p14:creationId xmlns:p14="http://schemas.microsoft.com/office/powerpoint/2010/main" val="1562797515"/>
+      </p:ext>
+    </p:extLst>
+  </p:cSld>
+  <p:clrMapOvr>
+    <a:masterClrMapping/>
+  </p:clrMapOvr>
+</p:sld>
+</file>
+
 <file path=ppt/slides/slide8.xml><?xml version="1.0" encoding="utf-8"?>
 <p:sld xmlns:a="http://schemas.openxmlformats.org/drawingml/2006/main" xmlns:r="http://schemas.openxmlformats.org/officeDocument/2006/relationships" xmlns:p="http://schemas.openxmlformats.org/presentationml/2006/main">
   <p:cSld>
@@ -4706,7 +4735,7 @@
           <a:p>
             <a:r>
               <a:rPr lang="en-US" dirty="0" smtClean="0"/>
-              <a:t>Information Needed</a:t>
+              <a:t>Underlying Data Structures</a:t>
             </a:r>
             <a:endParaRPr lang="en-US" dirty="0"/>
           </a:p>
@@ -4722,74 +4751,111 @@
             <p:ph idx="1"/>
           </p:nvPr>
         </p:nvSpPr>
-        <p:spPr/>
-        <p:txBody>
-          <a:bodyPr/>
-          <a:lstStyle/>
-          <a:p>
-            <a:r>
-              <a:rPr lang="en-US" dirty="0" smtClean="0"/>
-              <a:t>-variables </a:t>
-            </a:r>
-            <a:r>
-              <a:rPr lang="en-US" dirty="0" smtClean="0"/>
-              <a:t>that would hold different things.</a:t>
-            </a:r>
-          </a:p>
-          <a:p>
-            <a:r>
-              <a:rPr lang="en-US" dirty="0" smtClean="0"/>
-              <a:t>-we need a function </a:t>
-            </a:r>
-            <a:r>
-              <a:rPr lang="en-US" dirty="0" smtClean="0"/>
-              <a:t>to randomly chose a number</a:t>
-            </a:r>
-          </a:p>
-          <a:p>
-            <a:r>
-              <a:rPr lang="en-US" dirty="0" smtClean="0"/>
-              <a:t>-A </a:t>
-            </a:r>
-            <a:r>
-              <a:rPr lang="en-US" dirty="0" smtClean="0"/>
-              <a:t>function that </a:t>
-            </a:r>
-            <a:r>
-              <a:rPr lang="en-US" dirty="0" smtClean="0"/>
-              <a:t>stores difficulty for user who is guessing the computer’s chosen number.</a:t>
-            </a:r>
+        <p:spPr>
+          <a:xfrm>
+            <a:off x="457200" y="1752600"/>
+            <a:ext cx="7620000" cy="921247"/>
+          </a:xfrm>
+        </p:spPr>
+        <p:txBody>
+          <a:bodyPr/>
+          <a:lstStyle/>
+          <a:p>
+            <a:r>
+              <a:rPr lang="en-US" dirty="0" smtClean="0"/>
+              <a:t>-Vectors</a:t>
+            </a:r>
+          </a:p>
+          <a:p>
+            <a:r>
+              <a:rPr lang="en-US" dirty="0" smtClean="0"/>
+              <a:t>-Arrays</a:t>
+            </a:r>
+          </a:p>
+          <a:p>
             <a:endParaRPr lang="en-US" dirty="0" smtClean="0"/>
           </a:p>
           <a:p>
-            <a:r>
-              <a:rPr lang="en-US" dirty="0" smtClean="0"/>
-              <a:t>-True </a:t>
-            </a:r>
-            <a:r>
-              <a:rPr lang="en-US" dirty="0" smtClean="0"/>
-              <a:t>or False statement to confirm that users guess is within the permitted size</a:t>
-            </a:r>
-          </a:p>
-          <a:p>
-            <a:r>
-              <a:rPr lang="en-US" dirty="0" smtClean="0"/>
-              <a:t>-A </a:t>
-            </a:r>
-            <a:r>
-              <a:rPr lang="en-US" dirty="0" smtClean="0"/>
-              <a:t>void function that will check if the guess is too low or too high from the random number generated.</a:t>
-            </a:r>
+            <a:endParaRPr lang="en-US" dirty="0"/>
+          </a:p>
+          <a:p>
+            <a:endParaRPr lang="en-US" dirty="0"/>
           </a:p>
           <a:p>
             <a:endParaRPr lang="en-US" dirty="0" smtClean="0"/>
           </a:p>
-        </p:txBody>
-      </p:sp>
+          <a:p>
+            <a:endParaRPr lang="en-US" dirty="0"/>
+          </a:p>
+          <a:p>
+            <a:endParaRPr lang="en-US" dirty="0"/>
+          </a:p>
+        </p:txBody>
+      </p:sp>
+      <p:pic>
+        <p:nvPicPr>
+          <p:cNvPr id="4" name="Picture 3" descr="Screen Shot 2017-05-17 at 8.22.54 AM.png"/>
+          <p:cNvPicPr>
+            <a:picLocks noChangeAspect="1"/>
+          </p:cNvPicPr>
+          <p:nvPr/>
+        </p:nvPicPr>
+        <p:blipFill>
+          <a:blip r:embed="rId2">
+            <a:extLst>
+              <a:ext uri="{28A0092B-C50C-407E-A947-70E740481C1C}">
+                <a14:useLocalDpi xmlns:a14="http://schemas.microsoft.com/office/drawing/2010/main" val="0"/>
+              </a:ext>
+            </a:extLst>
+          </a:blip>
+          <a:stretch>
+            <a:fillRect/>
+          </a:stretch>
+        </p:blipFill>
+        <p:spPr>
+          <a:xfrm>
+            <a:off x="2662787" y="1524318"/>
+            <a:ext cx="6234489" cy="2436318"/>
+          </a:xfrm>
+          <a:prstGeom prst="rect">
+            <a:avLst/>
+          </a:prstGeom>
+        </p:spPr>
+      </p:pic>
+      <p:pic>
+        <p:nvPicPr>
+          <p:cNvPr id="5" name="Picture 4" descr="Screen Shot 2017-05-17 at 8.23.33 AM.png"/>
+          <p:cNvPicPr>
+            <a:picLocks noChangeAspect="1"/>
+          </p:cNvPicPr>
+          <p:nvPr/>
+        </p:nvPicPr>
+        <p:blipFill>
+          <a:blip r:embed="rId3">
+            <a:extLst>
+              <a:ext uri="{28A0092B-C50C-407E-A947-70E740481C1C}">
+                <a14:useLocalDpi xmlns:a14="http://schemas.microsoft.com/office/drawing/2010/main" val="0"/>
+              </a:ext>
+            </a:extLst>
+          </a:blip>
+          <a:stretch>
+            <a:fillRect/>
+          </a:stretch>
+        </p:blipFill>
+        <p:spPr>
+          <a:xfrm>
+            <a:off x="336104" y="3640166"/>
+            <a:ext cx="6113570" cy="2375990"/>
+          </a:xfrm>
+          <a:prstGeom prst="rect">
+            <a:avLst/>
+          </a:prstGeom>
+        </p:spPr>
+      </p:pic>
     </p:spTree>
     <p:extLst>
       <p:ext uri="{BB962C8B-B14F-4D97-AF65-F5344CB8AC3E}">
-        <p14:creationId xmlns:p14="http://schemas.microsoft.com/office/powerpoint/2010/main" val="1044680601"/>
+        <p14:creationId xmlns:p14="http://schemas.microsoft.com/office/powerpoint/2010/main" val="1481729011"/>
       </p:ext>
     </p:extLst>
   </p:cSld>
@@ -4839,8 +4905,8 @@
           <a:lstStyle/>
           <a:p>
             <a:r>
-              <a:rPr lang="en-US" dirty="0" smtClean="0"/>
-              <a:t>Difficulty</a:t>
+              <a:rPr lang="en-US" dirty="0" err="1" smtClean="0"/>
+              <a:t>Filesharing</a:t>
             </a:r>
             <a:endParaRPr lang="en-US" dirty="0"/>
           </a:p>
@@ -4861,69 +4927,18 @@
           <a:bodyPr/>
           <a:lstStyle/>
           <a:p>
-            <a:pPr marL="0" indent="0">
-              <a:buNone/>
-            </a:pPr>
-            <a:r>
-              <a:rPr lang="en-US" dirty="0" smtClean="0"/>
-              <a:t>In our game we wanted to give 3 types of ways to play. We have and Easy , Medium , and Hard difficulty.</a:t>
-            </a:r>
-          </a:p>
-          <a:p>
-            <a:pPr marL="0" indent="0">
-              <a:buNone/>
-            </a:pPr>
-            <a:r>
-              <a:rPr lang="en-US" dirty="0" smtClean="0"/>
-              <a:t>-Easy </a:t>
-            </a:r>
-            <a:r>
-              <a:rPr lang="en-US" b="0" dirty="0" smtClean="0"/>
-              <a:t>mode = 7 guesses</a:t>
-            </a:r>
-          </a:p>
-          <a:p>
-            <a:pPr marL="0" indent="0">
-              <a:buNone/>
-            </a:pPr>
-            <a:r>
-              <a:rPr lang="en-US" dirty="0" smtClean="0"/>
-              <a:t>-Medium </a:t>
-            </a:r>
-            <a:r>
-              <a:rPr lang="en-US" b="0" dirty="0" smtClean="0"/>
-              <a:t>mode = 5 guesses</a:t>
-            </a:r>
-          </a:p>
-          <a:p>
-            <a:pPr marL="0" indent="0">
-              <a:buNone/>
-            </a:pPr>
-            <a:r>
-              <a:rPr lang="en-US" dirty="0" smtClean="0"/>
-              <a:t>-Hard </a:t>
-            </a:r>
-            <a:r>
-              <a:rPr lang="en-US" b="0" dirty="0" smtClean="0"/>
-              <a:t>mode = 3 guesses</a:t>
-            </a:r>
-            <a:endParaRPr lang="en-US" b="0" dirty="0"/>
-          </a:p>
-          <a:p>
-            <a:pPr marL="0" indent="0">
-              <a:buNone/>
-            </a:pPr>
-            <a:r>
-              <a:rPr lang="en-US" dirty="0" smtClean="0"/>
-              <a:t>We have a void </a:t>
-            </a:r>
-            <a:r>
-              <a:rPr lang="en-US" dirty="0" smtClean="0"/>
-              <a:t>function that will hold the value entered by the user for </a:t>
-            </a:r>
-            <a:r>
-              <a:rPr lang="en-US" dirty="0" smtClean="0"/>
-              <a:t>difficulty.</a:t>
+            <a:r>
+              <a:rPr lang="en-US" dirty="0" smtClean="0"/>
+              <a:t>We stored all the values into a CSV. Because the values were placed here we wanted to be able to write over them and interact with the values.</a:t>
+            </a:r>
+          </a:p>
+          <a:p>
+            <a:endParaRPr lang="en-US" dirty="0"/>
+          </a:p>
+          <a:p>
+            <a:r>
+              <a:rPr lang="en-US" dirty="0" smtClean="0"/>
+              <a:t>Therefore if any new users are to play our game, whatever number they choose to deal with while playing will get added to our CSV file.</a:t>
             </a:r>
             <a:endParaRPr lang="en-US" dirty="0"/>
           </a:p>
@@ -4932,7 +4947,7 @@
     </p:spTree>
     <p:extLst>
       <p:ext uri="{BB962C8B-B14F-4D97-AF65-F5344CB8AC3E}">
-        <p14:creationId xmlns:p14="http://schemas.microsoft.com/office/powerpoint/2010/main" val="2553480416"/>
+        <p14:creationId xmlns:p14="http://schemas.microsoft.com/office/powerpoint/2010/main" val="3731941348"/>
       </p:ext>
     </p:extLst>
   </p:cSld>
